--- a/Orga/Teil1_Geschaeftsvorschlag_223027.pptx
+++ b/Orga/Teil1_Geschaeftsvorschlag_223027.pptx
@@ -8,8 +8,8 @@
     <p:sldId id="256" r:id="rId2"/>
     <p:sldId id="262" r:id="rId3"/>
     <p:sldId id="264" r:id="rId4"/>
-    <p:sldId id="265" r:id="rId5"/>
-    <p:sldId id="266" r:id="rId6"/>
+    <p:sldId id="266" r:id="rId5"/>
+    <p:sldId id="265" r:id="rId6"/>
     <p:sldId id="267" r:id="rId7"/>
     <p:sldId id="268" r:id="rId8"/>
     <p:sldId id="269" r:id="rId9"/>
@@ -124,7 +124,7 @@
 <file path=ppt/revisionInfo.xml><?xml version="1.0" encoding="utf-8"?>
 <p1510:revInfo xmlns:a="http://schemas.openxmlformats.org/drawingml/2006/main" xmlns:r="http://schemas.openxmlformats.org/officeDocument/2006/relationships" xmlns:p1510="http://schemas.microsoft.com/office/powerpoint/2015/10/main">
   <p1510:revLst>
-    <p1510:client id="{A62DFD4C-41B0-4B42-BA1C-75B88AEC0BDD}" v="57" dt="2022-04-02T09:23:11.914"/>
+    <p1510:client id="{B1D2E297-FF8F-4563-BA22-E6C120DEB91C}" v="3" dt="2022-04-12T11:22:25.755"/>
   </p1510:revLst>
 </p1510:revInfo>
 </file>
@@ -1385,6 +1385,317 @@
           </pc:sldLayoutMkLst>
         </pc:sldLayoutChg>
       </pc:sldMasterChg>
+    </pc:docChg>
+  </pc:docChgLst>
+  <pc:docChgLst>
+    <pc:chgData name="Karsten Blank" userId="080eee26eaa47b19" providerId="LiveId" clId="{B1D2E297-FF8F-4563-BA22-E6C120DEB91C}"/>
+    <pc:docChg chg="undo custSel modSld sldOrd">
+      <pc:chgData name="Karsten Blank" userId="080eee26eaa47b19" providerId="LiveId" clId="{B1D2E297-FF8F-4563-BA22-E6C120DEB91C}" dt="2022-04-12T11:31:11.820" v="861" actId="113"/>
+      <pc:docMkLst>
+        <pc:docMk/>
+      </pc:docMkLst>
+      <pc:sldChg chg="addSp delSp modSp mod">
+        <pc:chgData name="Karsten Blank" userId="080eee26eaa47b19" providerId="LiveId" clId="{B1D2E297-FF8F-4563-BA22-E6C120DEB91C}" dt="2022-04-12T11:20:14.838" v="200" actId="1035"/>
+        <pc:sldMkLst>
+          <pc:docMk/>
+          <pc:sldMk cId="2873499746" sldId="256"/>
+        </pc:sldMkLst>
+        <pc:spChg chg="del">
+          <ac:chgData name="Karsten Blank" userId="080eee26eaa47b19" providerId="LiveId" clId="{B1D2E297-FF8F-4563-BA22-E6C120DEB91C}" dt="2022-04-12T11:16:56.816" v="7" actId="478"/>
+          <ac:spMkLst>
+            <pc:docMk/>
+            <pc:sldMk cId="2873499746" sldId="256"/>
+            <ac:spMk id="2" creationId="{A4CD68CB-05F4-45E0-B226-F3A2A6910174}"/>
+          </ac:spMkLst>
+        </pc:spChg>
+        <pc:spChg chg="del">
+          <ac:chgData name="Karsten Blank" userId="080eee26eaa47b19" providerId="LiveId" clId="{B1D2E297-FF8F-4563-BA22-E6C120DEB91C}" dt="2022-04-12T11:16:59.706" v="8" actId="478"/>
+          <ac:spMkLst>
+            <pc:docMk/>
+            <pc:sldMk cId="2873499746" sldId="256"/>
+            <ac:spMk id="3" creationId="{AC367168-82C8-4944-B47D-CF71A1857281}"/>
+          </ac:spMkLst>
+        </pc:spChg>
+        <pc:spChg chg="add mod">
+          <ac:chgData name="Karsten Blank" userId="080eee26eaa47b19" providerId="LiveId" clId="{B1D2E297-FF8F-4563-BA22-E6C120DEB91C}" dt="2022-04-12T11:20:14.838" v="200" actId="1035"/>
+          <ac:spMkLst>
+            <pc:docMk/>
+            <pc:sldMk cId="2873499746" sldId="256"/>
+            <ac:spMk id="7" creationId="{CDC6D5A1-E233-4A47-8734-DF918A53A082}"/>
+          </ac:spMkLst>
+        </pc:spChg>
+        <pc:spChg chg="mod ord">
+          <ac:chgData name="Karsten Blank" userId="080eee26eaa47b19" providerId="LiveId" clId="{B1D2E297-FF8F-4563-BA22-E6C120DEB91C}" dt="2022-04-12T11:20:03.162" v="191" actId="1038"/>
+          <ac:spMkLst>
+            <pc:docMk/>
+            <pc:sldMk cId="2873499746" sldId="256"/>
+            <ac:spMk id="8" creationId="{2A5938FE-602D-45EB-BFAA-15D38D8E0DE1}"/>
+          </ac:spMkLst>
+        </pc:spChg>
+        <pc:picChg chg="add del mod ord">
+          <ac:chgData name="Karsten Blank" userId="080eee26eaa47b19" providerId="LiveId" clId="{B1D2E297-FF8F-4563-BA22-E6C120DEB91C}" dt="2022-04-12T11:16:51.541" v="6" actId="478"/>
+          <ac:picMkLst>
+            <pc:docMk/>
+            <pc:sldMk cId="2873499746" sldId="256"/>
+            <ac:picMk id="5" creationId="{71B85D32-BFAB-4A2D-B116-6CE845B1B039}"/>
+          </ac:picMkLst>
+        </pc:picChg>
+        <pc:picChg chg="del">
+          <ac:chgData name="Karsten Blank" userId="080eee26eaa47b19" providerId="LiveId" clId="{B1D2E297-FF8F-4563-BA22-E6C120DEB91C}" dt="2022-04-12T11:16:36.128" v="0" actId="478"/>
+          <ac:picMkLst>
+            <pc:docMk/>
+            <pc:sldMk cId="2873499746" sldId="256"/>
+            <ac:picMk id="1026" creationId="{FC628683-863F-46C0-81DD-42BAAEE5E030}"/>
+          </ac:picMkLst>
+        </pc:picChg>
+      </pc:sldChg>
+      <pc:sldChg chg="modSp mod">
+        <pc:chgData name="Karsten Blank" userId="080eee26eaa47b19" providerId="LiveId" clId="{B1D2E297-FF8F-4563-BA22-E6C120DEB91C}" dt="2022-04-12T11:20:44.856" v="202" actId="404"/>
+        <pc:sldMkLst>
+          <pc:docMk/>
+          <pc:sldMk cId="2827579521" sldId="262"/>
+        </pc:sldMkLst>
+        <pc:spChg chg="mod">
+          <ac:chgData name="Karsten Blank" userId="080eee26eaa47b19" providerId="LiveId" clId="{B1D2E297-FF8F-4563-BA22-E6C120DEB91C}" dt="2022-04-12T11:20:30.339" v="201" actId="113"/>
+          <ac:spMkLst>
+            <pc:docMk/>
+            <pc:sldMk cId="2827579521" sldId="262"/>
+            <ac:spMk id="2" creationId="{E46059AA-A16E-4D99-871C-4F260E2079B2}"/>
+          </ac:spMkLst>
+        </pc:spChg>
+        <pc:spChg chg="mod">
+          <ac:chgData name="Karsten Blank" userId="080eee26eaa47b19" providerId="LiveId" clId="{B1D2E297-FF8F-4563-BA22-E6C120DEB91C}" dt="2022-04-12T11:20:44.856" v="202" actId="404"/>
+          <ac:spMkLst>
+            <pc:docMk/>
+            <pc:sldMk cId="2827579521" sldId="262"/>
+            <ac:spMk id="3" creationId="{DD0094F4-0C6E-456B-B97E-22CB11F4FEE0}"/>
+          </ac:spMkLst>
+        </pc:spChg>
+      </pc:sldChg>
+      <pc:sldChg chg="addSp delSp modSp mod">
+        <pc:chgData name="Karsten Blank" userId="080eee26eaa47b19" providerId="LiveId" clId="{B1D2E297-FF8F-4563-BA22-E6C120DEB91C}" dt="2022-04-12T11:22:29.634" v="227" actId="20577"/>
+        <pc:sldMkLst>
+          <pc:docMk/>
+          <pc:sldMk cId="711250412" sldId="264"/>
+        </pc:sldMkLst>
+        <pc:spChg chg="del mod">
+          <ac:chgData name="Karsten Blank" userId="080eee26eaa47b19" providerId="LiveId" clId="{B1D2E297-FF8F-4563-BA22-E6C120DEB91C}" dt="2022-04-12T11:22:19.838" v="211" actId="478"/>
+          <ac:spMkLst>
+            <pc:docMk/>
+            <pc:sldMk cId="711250412" sldId="264"/>
+            <ac:spMk id="2" creationId="{E46059AA-A16E-4D99-871C-4F260E2079B2}"/>
+          </ac:spMkLst>
+        </pc:spChg>
+        <pc:spChg chg="mod">
+          <ac:chgData name="Karsten Blank" userId="080eee26eaa47b19" providerId="LiveId" clId="{B1D2E297-FF8F-4563-BA22-E6C120DEB91C}" dt="2022-04-12T11:21:47.453" v="208" actId="113"/>
+          <ac:spMkLst>
+            <pc:docMk/>
+            <pc:sldMk cId="711250412" sldId="264"/>
+            <ac:spMk id="3" creationId="{DD0094F4-0C6E-456B-B97E-22CB11F4FEE0}"/>
+          </ac:spMkLst>
+        </pc:spChg>
+        <pc:spChg chg="mod">
+          <ac:chgData name="Karsten Blank" userId="080eee26eaa47b19" providerId="LiveId" clId="{B1D2E297-FF8F-4563-BA22-E6C120DEB91C}" dt="2022-04-12T11:21:59.266" v="210" actId="14100"/>
+          <ac:spMkLst>
+            <pc:docMk/>
+            <pc:sldMk cId="711250412" sldId="264"/>
+            <ac:spMk id="4" creationId="{36F2AE87-CD5A-44E2-88D8-A25AC06CA4BE}"/>
+          </ac:spMkLst>
+        </pc:spChg>
+        <pc:spChg chg="add del mod">
+          <ac:chgData name="Karsten Blank" userId="080eee26eaa47b19" providerId="LiveId" clId="{B1D2E297-FF8F-4563-BA22-E6C120DEB91C}" dt="2022-04-12T11:22:21.963" v="212" actId="478"/>
+          <ac:spMkLst>
+            <pc:docMk/>
+            <pc:sldMk cId="711250412" sldId="264"/>
+            <ac:spMk id="9" creationId="{8B676BD2-D7CF-4B01-910E-9F687DC4DEDE}"/>
+          </ac:spMkLst>
+        </pc:spChg>
+        <pc:spChg chg="add mod">
+          <ac:chgData name="Karsten Blank" userId="080eee26eaa47b19" providerId="LiveId" clId="{B1D2E297-FF8F-4563-BA22-E6C120DEB91C}" dt="2022-04-12T11:22:29.634" v="227" actId="20577"/>
+          <ac:spMkLst>
+            <pc:docMk/>
+            <pc:sldMk cId="711250412" sldId="264"/>
+            <ac:spMk id="10" creationId="{1B97A018-A3FA-491B-AEB5-F6121D300976}"/>
+          </ac:spMkLst>
+        </pc:spChg>
+      </pc:sldChg>
+      <pc:sldChg chg="modSp mod">
+        <pc:chgData name="Karsten Blank" userId="080eee26eaa47b19" providerId="LiveId" clId="{B1D2E297-FF8F-4563-BA22-E6C120DEB91C}" dt="2022-04-12T11:23:41.777" v="231" actId="403"/>
+        <pc:sldMkLst>
+          <pc:docMk/>
+          <pc:sldMk cId="2272158788" sldId="265"/>
+        </pc:sldMkLst>
+        <pc:spChg chg="mod">
+          <ac:chgData name="Karsten Blank" userId="080eee26eaa47b19" providerId="LiveId" clId="{B1D2E297-FF8F-4563-BA22-E6C120DEB91C}" dt="2022-04-12T11:21:22.698" v="204" actId="113"/>
+          <ac:spMkLst>
+            <pc:docMk/>
+            <pc:sldMk cId="2272158788" sldId="265"/>
+            <ac:spMk id="2" creationId="{E46059AA-A16E-4D99-871C-4F260E2079B2}"/>
+          </ac:spMkLst>
+        </pc:spChg>
+        <pc:spChg chg="mod">
+          <ac:chgData name="Karsten Blank" userId="080eee26eaa47b19" providerId="LiveId" clId="{B1D2E297-FF8F-4563-BA22-E6C120DEB91C}" dt="2022-04-12T11:23:41.777" v="231" actId="403"/>
+          <ac:spMkLst>
+            <pc:docMk/>
+            <pc:sldMk cId="2272158788" sldId="265"/>
+            <ac:spMk id="5" creationId="{572F9A16-5D24-460B-A2D4-836790002E79}"/>
+          </ac:spMkLst>
+        </pc:spChg>
+      </pc:sldChg>
+      <pc:sldChg chg="modSp mod ord">
+        <pc:chgData name="Karsten Blank" userId="080eee26eaa47b19" providerId="LiveId" clId="{B1D2E297-FF8F-4563-BA22-E6C120DEB91C}" dt="2022-04-12T11:23:05.581" v="230" actId="113"/>
+        <pc:sldMkLst>
+          <pc:docMk/>
+          <pc:sldMk cId="2796202577" sldId="266"/>
+        </pc:sldMkLst>
+        <pc:spChg chg="mod">
+          <ac:chgData name="Karsten Blank" userId="080eee26eaa47b19" providerId="LiveId" clId="{B1D2E297-FF8F-4563-BA22-E6C120DEB91C}" dt="2022-04-12T11:23:05.581" v="230" actId="113"/>
+          <ac:spMkLst>
+            <pc:docMk/>
+            <pc:sldMk cId="2796202577" sldId="266"/>
+            <ac:spMk id="2" creationId="{E46059AA-A16E-4D99-871C-4F260E2079B2}"/>
+          </ac:spMkLst>
+        </pc:spChg>
+      </pc:sldChg>
+      <pc:sldChg chg="modSp mod">
+        <pc:chgData name="Karsten Blank" userId="080eee26eaa47b19" providerId="LiveId" clId="{B1D2E297-FF8F-4563-BA22-E6C120DEB91C}" dt="2022-04-12T11:24:51.469" v="237" actId="115"/>
+        <pc:sldMkLst>
+          <pc:docMk/>
+          <pc:sldMk cId="1204777101" sldId="267"/>
+        </pc:sldMkLst>
+        <pc:spChg chg="mod">
+          <ac:chgData name="Karsten Blank" userId="080eee26eaa47b19" providerId="LiveId" clId="{B1D2E297-FF8F-4563-BA22-E6C120DEB91C}" dt="2022-04-12T11:23:48.523" v="232" actId="113"/>
+          <ac:spMkLst>
+            <pc:docMk/>
+            <pc:sldMk cId="1204777101" sldId="267"/>
+            <ac:spMk id="2" creationId="{E46059AA-A16E-4D99-871C-4F260E2079B2}"/>
+          </ac:spMkLst>
+        </pc:spChg>
+        <pc:spChg chg="mod">
+          <ac:chgData name="Karsten Blank" userId="080eee26eaa47b19" providerId="LiveId" clId="{B1D2E297-FF8F-4563-BA22-E6C120DEB91C}" dt="2022-04-12T11:24:51.469" v="237" actId="115"/>
+          <ac:spMkLst>
+            <pc:docMk/>
+            <pc:sldMk cId="1204777101" sldId="267"/>
+            <ac:spMk id="4" creationId="{621EA046-B7BB-453D-A3C3-580E1DAA2276}"/>
+          </ac:spMkLst>
+        </pc:spChg>
+      </pc:sldChg>
+      <pc:sldChg chg="modSp mod">
+        <pc:chgData name="Karsten Blank" userId="080eee26eaa47b19" providerId="LiveId" clId="{B1D2E297-FF8F-4563-BA22-E6C120DEB91C}" dt="2022-04-12T11:25:05.561" v="240" actId="115"/>
+        <pc:sldMkLst>
+          <pc:docMk/>
+          <pc:sldMk cId="1865853539" sldId="268"/>
+        </pc:sldMkLst>
+        <pc:spChg chg="mod">
+          <ac:chgData name="Karsten Blank" userId="080eee26eaa47b19" providerId="LiveId" clId="{B1D2E297-FF8F-4563-BA22-E6C120DEB91C}" dt="2022-04-12T11:23:52.274" v="233" actId="113"/>
+          <ac:spMkLst>
+            <pc:docMk/>
+            <pc:sldMk cId="1865853539" sldId="268"/>
+            <ac:spMk id="2" creationId="{E46059AA-A16E-4D99-871C-4F260E2079B2}"/>
+          </ac:spMkLst>
+        </pc:spChg>
+        <pc:spChg chg="mod">
+          <ac:chgData name="Karsten Blank" userId="080eee26eaa47b19" providerId="LiveId" clId="{B1D2E297-FF8F-4563-BA22-E6C120DEB91C}" dt="2022-04-12T11:25:05.561" v="240" actId="115"/>
+          <ac:spMkLst>
+            <pc:docMk/>
+            <pc:sldMk cId="1865853539" sldId="268"/>
+            <ac:spMk id="4" creationId="{621EA046-B7BB-453D-A3C3-580E1DAA2276}"/>
+          </ac:spMkLst>
+        </pc:spChg>
+        <pc:spChg chg="mod">
+          <ac:chgData name="Karsten Blank" userId="080eee26eaa47b19" providerId="LiveId" clId="{B1D2E297-FF8F-4563-BA22-E6C120DEB91C}" dt="2022-04-12T11:24:32.853" v="235" actId="20577"/>
+          <ac:spMkLst>
+            <pc:docMk/>
+            <pc:sldMk cId="1865853539" sldId="268"/>
+            <ac:spMk id="20" creationId="{9D92470F-6B5D-413A-845D-9220A4BB1A7B}"/>
+          </ac:spMkLst>
+        </pc:spChg>
+      </pc:sldChg>
+      <pc:sldChg chg="modSp mod">
+        <pc:chgData name="Karsten Blank" userId="080eee26eaa47b19" providerId="LiveId" clId="{B1D2E297-FF8F-4563-BA22-E6C120DEB91C}" dt="2022-04-12T11:25:11.706" v="241" actId="115"/>
+        <pc:sldMkLst>
+          <pc:docMk/>
+          <pc:sldMk cId="2634051952" sldId="269"/>
+        </pc:sldMkLst>
+        <pc:spChg chg="mod">
+          <ac:chgData name="Karsten Blank" userId="080eee26eaa47b19" providerId="LiveId" clId="{B1D2E297-FF8F-4563-BA22-E6C120DEB91C}" dt="2022-04-12T11:24:42.419" v="236" actId="113"/>
+          <ac:spMkLst>
+            <pc:docMk/>
+            <pc:sldMk cId="2634051952" sldId="269"/>
+            <ac:spMk id="2" creationId="{E46059AA-A16E-4D99-871C-4F260E2079B2}"/>
+          </ac:spMkLst>
+        </pc:spChg>
+        <pc:spChg chg="mod">
+          <ac:chgData name="Karsten Blank" userId="080eee26eaa47b19" providerId="LiveId" clId="{B1D2E297-FF8F-4563-BA22-E6C120DEB91C}" dt="2022-04-12T11:25:11.706" v="241" actId="115"/>
+          <ac:spMkLst>
+            <pc:docMk/>
+            <pc:sldMk cId="2634051952" sldId="269"/>
+            <ac:spMk id="4" creationId="{621EA046-B7BB-453D-A3C3-580E1DAA2276}"/>
+          </ac:spMkLst>
+        </pc:spChg>
+      </pc:sldChg>
+      <pc:sldChg chg="modSp mod">
+        <pc:chgData name="Karsten Blank" userId="080eee26eaa47b19" providerId="LiveId" clId="{B1D2E297-FF8F-4563-BA22-E6C120DEB91C}" dt="2022-04-12T11:31:08.246" v="860" actId="113"/>
+        <pc:sldMkLst>
+          <pc:docMk/>
+          <pc:sldMk cId="4020012113" sldId="270"/>
+        </pc:sldMkLst>
+        <pc:spChg chg="mod">
+          <ac:chgData name="Karsten Blank" userId="080eee26eaa47b19" providerId="LiveId" clId="{B1D2E297-FF8F-4563-BA22-E6C120DEB91C}" dt="2022-04-12T11:31:08.246" v="860" actId="113"/>
+          <ac:spMkLst>
+            <pc:docMk/>
+            <pc:sldMk cId="4020012113" sldId="270"/>
+            <ac:spMk id="2" creationId="{E46059AA-A16E-4D99-871C-4F260E2079B2}"/>
+          </ac:spMkLst>
+        </pc:spChg>
+        <pc:spChg chg="mod">
+          <ac:chgData name="Karsten Blank" userId="080eee26eaa47b19" providerId="LiveId" clId="{B1D2E297-FF8F-4563-BA22-E6C120DEB91C}" dt="2022-04-12T11:25:29.397" v="252" actId="14100"/>
+          <ac:spMkLst>
+            <pc:docMk/>
+            <pc:sldMk cId="4020012113" sldId="270"/>
+            <ac:spMk id="21" creationId="{12913EC0-3007-428B-82BC-4A67CF1F52B1}"/>
+          </ac:spMkLst>
+        </pc:spChg>
+        <pc:spChg chg="mod">
+          <ac:chgData name="Karsten Blank" userId="080eee26eaa47b19" providerId="LiveId" clId="{B1D2E297-FF8F-4563-BA22-E6C120DEB91C}" dt="2022-04-12T11:30:32.533" v="752" actId="20577"/>
+          <ac:spMkLst>
+            <pc:docMk/>
+            <pc:sldMk cId="4020012113" sldId="270"/>
+            <ac:spMk id="25" creationId="{569AA36A-B120-42E2-85BE-455512CCCD99}"/>
+          </ac:spMkLst>
+        </pc:spChg>
+        <pc:spChg chg="mod">
+          <ac:chgData name="Karsten Blank" userId="080eee26eaa47b19" providerId="LiveId" clId="{B1D2E297-FF8F-4563-BA22-E6C120DEB91C}" dt="2022-04-12T11:31:00.028" v="859" actId="6549"/>
+          <ac:spMkLst>
+            <pc:docMk/>
+            <pc:sldMk cId="4020012113" sldId="270"/>
+            <ac:spMk id="38" creationId="{11EFC6F9-75D6-4DD3-A0A0-28FB088FABA4}"/>
+          </ac:spMkLst>
+        </pc:spChg>
+        <pc:cxnChg chg="mod">
+          <ac:chgData name="Karsten Blank" userId="080eee26eaa47b19" providerId="LiveId" clId="{B1D2E297-FF8F-4563-BA22-E6C120DEB91C}" dt="2022-04-12T11:27:53.609" v="628" actId="14100"/>
+          <ac:cxnSpMkLst>
+            <pc:docMk/>
+            <pc:sldMk cId="4020012113" sldId="270"/>
+            <ac:cxnSpMk id="24" creationId="{CDC85A80-E028-4742-8C20-28E49C6E26FB}"/>
+          </ac:cxnSpMkLst>
+        </pc:cxnChg>
+      </pc:sldChg>
+      <pc:sldChg chg="modSp mod">
+        <pc:chgData name="Karsten Blank" userId="080eee26eaa47b19" providerId="LiveId" clId="{B1D2E297-FF8F-4563-BA22-E6C120DEB91C}" dt="2022-04-12T11:31:11.820" v="861" actId="113"/>
+        <pc:sldMkLst>
+          <pc:docMk/>
+          <pc:sldMk cId="2143571564" sldId="271"/>
+        </pc:sldMkLst>
+        <pc:spChg chg="mod">
+          <ac:chgData name="Karsten Blank" userId="080eee26eaa47b19" providerId="LiveId" clId="{B1D2E297-FF8F-4563-BA22-E6C120DEB91C}" dt="2022-04-12T11:31:11.820" v="861" actId="113"/>
+          <ac:spMkLst>
+            <pc:docMk/>
+            <pc:sldMk cId="2143571564" sldId="271"/>
+            <ac:spMk id="2" creationId="{E46059AA-A16E-4D99-871C-4F260E2079B2}"/>
+          </ac:spMkLst>
+        </pc:spChg>
+      </pc:sldChg>
     </pc:docChg>
   </pc:docChgLst>
 </pc:chgInfo>
@@ -1537,7 +1848,7 @@
           <a:p>
             <a:fld id="{9B5BF4C2-CFB9-49CB-94EA-8A7B5204A138}" type="datetimeFigureOut">
               <a:rPr lang="de-DE" smtClean="0"/>
-              <a:t>02.04.2022</a:t>
+              <a:t>12.04.2022</a:t>
             </a:fld>
             <a:endParaRPr lang="de-DE"/>
           </a:p>
@@ -1735,7 +2046,7 @@
           <a:p>
             <a:fld id="{9B5BF4C2-CFB9-49CB-94EA-8A7B5204A138}" type="datetimeFigureOut">
               <a:rPr lang="de-DE" smtClean="0"/>
-              <a:t>02.04.2022</a:t>
+              <a:t>12.04.2022</a:t>
             </a:fld>
             <a:endParaRPr lang="de-DE"/>
           </a:p>
@@ -1943,7 +2254,7 @@
           <a:p>
             <a:fld id="{9B5BF4C2-CFB9-49CB-94EA-8A7B5204A138}" type="datetimeFigureOut">
               <a:rPr lang="de-DE" smtClean="0"/>
-              <a:t>02.04.2022</a:t>
+              <a:t>12.04.2022</a:t>
             </a:fld>
             <a:endParaRPr lang="de-DE"/>
           </a:p>
@@ -2141,7 +2452,7 @@
           <a:p>
             <a:fld id="{9B5BF4C2-CFB9-49CB-94EA-8A7B5204A138}" type="datetimeFigureOut">
               <a:rPr lang="de-DE" smtClean="0"/>
-              <a:t>02.04.2022</a:t>
+              <a:t>12.04.2022</a:t>
             </a:fld>
             <a:endParaRPr lang="de-DE"/>
           </a:p>
@@ -2416,7 +2727,7 @@
           <a:p>
             <a:fld id="{9B5BF4C2-CFB9-49CB-94EA-8A7B5204A138}" type="datetimeFigureOut">
               <a:rPr lang="de-DE" smtClean="0"/>
-              <a:t>02.04.2022</a:t>
+              <a:t>12.04.2022</a:t>
             </a:fld>
             <a:endParaRPr lang="de-DE"/>
           </a:p>
@@ -2681,7 +2992,7 @@
           <a:p>
             <a:fld id="{9B5BF4C2-CFB9-49CB-94EA-8A7B5204A138}" type="datetimeFigureOut">
               <a:rPr lang="de-DE" smtClean="0"/>
-              <a:t>02.04.2022</a:t>
+              <a:t>12.04.2022</a:t>
             </a:fld>
             <a:endParaRPr lang="de-DE"/>
           </a:p>
@@ -3093,7 +3404,7 @@
           <a:p>
             <a:fld id="{9B5BF4C2-CFB9-49CB-94EA-8A7B5204A138}" type="datetimeFigureOut">
               <a:rPr lang="de-DE" smtClean="0"/>
-              <a:t>02.04.2022</a:t>
+              <a:t>12.04.2022</a:t>
             </a:fld>
             <a:endParaRPr lang="de-DE"/>
           </a:p>
@@ -3234,7 +3545,7 @@
           <a:p>
             <a:fld id="{9B5BF4C2-CFB9-49CB-94EA-8A7B5204A138}" type="datetimeFigureOut">
               <a:rPr lang="de-DE" smtClean="0"/>
-              <a:t>02.04.2022</a:t>
+              <a:t>12.04.2022</a:t>
             </a:fld>
             <a:endParaRPr lang="de-DE"/>
           </a:p>
@@ -3347,7 +3658,7 @@
           <a:p>
             <a:fld id="{9B5BF4C2-CFB9-49CB-94EA-8A7B5204A138}" type="datetimeFigureOut">
               <a:rPr lang="de-DE" smtClean="0"/>
-              <a:t>02.04.2022</a:t>
+              <a:t>12.04.2022</a:t>
             </a:fld>
             <a:endParaRPr lang="de-DE"/>
           </a:p>
@@ -3658,7 +3969,7 @@
           <a:p>
             <a:fld id="{9B5BF4C2-CFB9-49CB-94EA-8A7B5204A138}" type="datetimeFigureOut">
               <a:rPr lang="de-DE" smtClean="0"/>
-              <a:t>02.04.2022</a:t>
+              <a:t>12.04.2022</a:t>
             </a:fld>
             <a:endParaRPr lang="de-DE"/>
           </a:p>
@@ -3946,7 +4257,7 @@
           <a:p>
             <a:fld id="{9B5BF4C2-CFB9-49CB-94EA-8A7B5204A138}" type="datetimeFigureOut">
               <a:rPr lang="de-DE" smtClean="0"/>
-              <a:t>02.04.2022</a:t>
+              <a:t>12.04.2022</a:t>
             </a:fld>
             <a:endParaRPr lang="de-DE"/>
           </a:p>
@@ -4190,7 +4501,7 @@
           <a:p>
             <a:fld id="{9B5BF4C2-CFB9-49CB-94EA-8A7B5204A138}" type="datetimeFigureOut">
               <a:rPr lang="de-DE" smtClean="0"/>
-              <a:t>02.04.2022</a:t>
+              <a:t>12.04.2022</a:t>
             </a:fld>
             <a:endParaRPr lang="de-DE"/>
           </a:p>
@@ -4607,67 +4918,17 @@
           <a:chExt cx="0" cy="0"/>
         </a:xfrm>
       </p:grpSpPr>
-      <p:sp>
-        <p:nvSpPr>
-          <p:cNvPr id="2" name="Titel 1">
-            <a:extLst>
-              <a:ext uri="{FF2B5EF4-FFF2-40B4-BE49-F238E27FC236}">
-                <a16:creationId xmlns:a16="http://schemas.microsoft.com/office/drawing/2014/main" id="{A4CD68CB-05F4-45E0-B226-F3A2A6910174}"/>
-              </a:ext>
-            </a:extLst>
-          </p:cNvPr>
-          <p:cNvSpPr>
-            <a:spLocks noGrp="1"/>
-          </p:cNvSpPr>
-          <p:nvPr>
-            <p:ph type="ctrTitle"/>
-          </p:nvPr>
-        </p:nvSpPr>
-        <p:spPr/>
-        <p:txBody>
-          <a:bodyPr/>
-          <a:lstStyle/>
-          <a:p>
-            <a:endParaRPr lang="de-DE"/>
-          </a:p>
-        </p:txBody>
-      </p:sp>
-      <p:sp>
-        <p:nvSpPr>
-          <p:cNvPr id="3" name="Untertitel 2">
-            <a:extLst>
-              <a:ext uri="{FF2B5EF4-FFF2-40B4-BE49-F238E27FC236}">
-                <a16:creationId xmlns:a16="http://schemas.microsoft.com/office/drawing/2014/main" id="{AC367168-82C8-4944-B47D-CF71A1857281}"/>
-              </a:ext>
-            </a:extLst>
-          </p:cNvPr>
-          <p:cNvSpPr>
-            <a:spLocks noGrp="1"/>
-          </p:cNvSpPr>
-          <p:nvPr>
-            <p:ph type="subTitle" idx="1"/>
-          </p:nvPr>
-        </p:nvSpPr>
-        <p:spPr/>
-        <p:txBody>
-          <a:bodyPr/>
-          <a:lstStyle/>
-          <a:p>
-            <a:endParaRPr lang="de-DE"/>
-          </a:p>
-        </p:txBody>
-      </p:sp>
       <p:pic>
         <p:nvPicPr>
-          <p:cNvPr id="1026" name="Picture 2" descr="Panorama2">
-            <a:extLst>
-              <a:ext uri="{FF2B5EF4-FFF2-40B4-BE49-F238E27FC236}">
-                <a16:creationId xmlns:a16="http://schemas.microsoft.com/office/drawing/2014/main" id="{FC628683-863F-46C0-81DD-42BAAEE5E030}"/>
+          <p:cNvPr id="5" name="Grafik 4" descr="Ein Bild, das Boot, draußen, Himmel, Wasser enthält.&#10;&#10;Automatisch generierte Beschreibung">
+            <a:extLst>
+              <a:ext uri="{FF2B5EF4-FFF2-40B4-BE49-F238E27FC236}">
+                <a16:creationId xmlns:a16="http://schemas.microsoft.com/office/drawing/2014/main" id="{71B85D32-BFAB-4A2D-B116-6CE845B1B039}"/>
               </a:ext>
             </a:extLst>
           </p:cNvPr>
           <p:cNvPicPr>
-            <a:picLocks noChangeAspect="1" noChangeArrowheads="1"/>
+            <a:picLocks noChangeAspect="1"/>
           </p:cNvPicPr>
           <p:nvPr/>
         </p:nvPicPr>
@@ -4679,29 +4940,18 @@
               </a:ext>
             </a:extLst>
           </a:blip>
-          <a:srcRect/>
           <a:stretch>
             <a:fillRect/>
           </a:stretch>
         </p:blipFill>
-        <p:spPr bwMode="auto">
+        <p:spPr>
           <a:xfrm>
-            <a:off x="0" y="815975"/>
-            <a:ext cx="12192000" cy="5224463"/>
+            <a:off x="0" y="816428"/>
+            <a:ext cx="12192000" cy="5225143"/>
           </a:xfrm>
           <a:prstGeom prst="rect">
             <a:avLst/>
           </a:prstGeom>
-          <a:noFill/>
-          <a:extLst>
-            <a:ext uri="{909E8E84-426E-40DD-AFC4-6F175D3DCCD1}">
-              <a14:hiddenFill xmlns:a14="http://schemas.microsoft.com/office/drawing/2010/main">
-                <a:solidFill>
-                  <a:srgbClr val="FFFFFF"/>
-                </a:solidFill>
-              </a14:hiddenFill>
-            </a:ext>
-          </a:extLst>
         </p:spPr>
       </p:pic>
       <p:sp>
@@ -4766,10 +5016,10 @@
       </p:sp>
       <p:sp>
         <p:nvSpPr>
-          <p:cNvPr id="8" name="Textfeld 7">
-            <a:extLst>
-              <a:ext uri="{FF2B5EF4-FFF2-40B4-BE49-F238E27FC236}">
-                <a16:creationId xmlns:a16="http://schemas.microsoft.com/office/drawing/2014/main" id="{2A5938FE-602D-45EB-BFAA-15D38D8E0DE1}"/>
+          <p:cNvPr id="9" name="Textfeld 8">
+            <a:extLst>
+              <a:ext uri="{FF2B5EF4-FFF2-40B4-BE49-F238E27FC236}">
+                <a16:creationId xmlns:a16="http://schemas.microsoft.com/office/drawing/2014/main" id="{EFFE588F-CCB7-4DAC-8FBE-30EC947E2EBF}"/>
               </a:ext>
             </a:extLst>
           </p:cNvPr>
@@ -4778,8 +5028,8 @@
         </p:nvSpPr>
         <p:spPr>
           <a:xfrm>
-            <a:off x="1103397" y="2173069"/>
-            <a:ext cx="4338918" cy="646331"/>
+            <a:off x="206187" y="6362435"/>
+            <a:ext cx="5522260" cy="246221"/>
           </a:xfrm>
           <a:prstGeom prst="rect">
             <a:avLst/>
@@ -4793,22 +5043,76 @@
           <a:lstStyle/>
           <a:p>
             <a:r>
-              <a:rPr lang="de-DE" sz="3600" u="sng" dirty="0">
-                <a:solidFill>
-                  <a:schemeClr val="bg1"/>
-                </a:solidFill>
-              </a:rPr>
-              <a:t>Geschäftsvorschlag</a:t>
-            </a:r>
-          </a:p>
-        </p:txBody>
-      </p:sp>
-      <p:sp>
-        <p:nvSpPr>
-          <p:cNvPr id="9" name="Textfeld 8">
-            <a:extLst>
-              <a:ext uri="{FF2B5EF4-FFF2-40B4-BE49-F238E27FC236}">
-                <a16:creationId xmlns:a16="http://schemas.microsoft.com/office/drawing/2014/main" id="{EFFE588F-CCB7-4DAC-8FBE-30EC947E2EBF}"/>
+              <a:rPr lang="de-DE" sz="1000" dirty="0">
+                <a:solidFill>
+                  <a:schemeClr val="bg1"/>
+                </a:solidFill>
+              </a:rPr>
+              <a:t>Praktikum Web-Anwendungen 2 | Fabian Groß, Sebastian Ray, Karsten Blank | SS2022 </a:t>
+            </a:r>
+          </a:p>
+        </p:txBody>
+      </p:sp>
+      <p:sp>
+        <p:nvSpPr>
+          <p:cNvPr id="7" name="Rechteck 6">
+            <a:extLst>
+              <a:ext uri="{FF2B5EF4-FFF2-40B4-BE49-F238E27FC236}">
+                <a16:creationId xmlns:a16="http://schemas.microsoft.com/office/drawing/2014/main" id="{CDC6D5A1-E233-4A47-8734-DF918A53A082}"/>
+              </a:ext>
+            </a:extLst>
+          </p:cNvPr>
+          <p:cNvSpPr/>
+          <p:nvPr/>
+        </p:nvSpPr>
+        <p:spPr>
+          <a:xfrm>
+            <a:off x="1791093" y="4939644"/>
+            <a:ext cx="10490554" cy="622566"/>
+          </a:xfrm>
+          <a:prstGeom prst="rect">
+            <a:avLst/>
+          </a:prstGeom>
+          <a:solidFill>
+            <a:schemeClr val="bg1">
+              <a:alpha val="78000"/>
+            </a:schemeClr>
+          </a:solidFill>
+          <a:ln>
+            <a:noFill/>
+          </a:ln>
+        </p:spPr>
+        <p:style>
+          <a:lnRef idx="2">
+            <a:schemeClr val="accent1">
+              <a:shade val="50000"/>
+            </a:schemeClr>
+          </a:lnRef>
+          <a:fillRef idx="1">
+            <a:schemeClr val="accent1"/>
+          </a:fillRef>
+          <a:effectRef idx="0">
+            <a:schemeClr val="accent1"/>
+          </a:effectRef>
+          <a:fontRef idx="minor">
+            <a:schemeClr val="lt1"/>
+          </a:fontRef>
+        </p:style>
+        <p:txBody>
+          <a:bodyPr rtlCol="0" anchor="ctr"/>
+          <a:lstStyle/>
+          <a:p>
+            <a:pPr algn="ctr"/>
+            <a:endParaRPr lang="de-DE"/>
+          </a:p>
+        </p:txBody>
+      </p:sp>
+      <p:sp>
+        <p:nvSpPr>
+          <p:cNvPr id="8" name="Textfeld 7">
+            <a:extLst>
+              <a:ext uri="{FF2B5EF4-FFF2-40B4-BE49-F238E27FC236}">
+                <a16:creationId xmlns:a16="http://schemas.microsoft.com/office/drawing/2014/main" id="{2A5938FE-602D-45EB-BFAA-15D38D8E0DE1}"/>
               </a:ext>
             </a:extLst>
           </p:cNvPr>
@@ -4817,8 +5121,8 @@
         </p:nvSpPr>
         <p:spPr>
           <a:xfrm>
-            <a:off x="206187" y="6362435"/>
-            <a:ext cx="5522260" cy="246221"/>
+            <a:off x="2119829" y="4916386"/>
+            <a:ext cx="4338918" cy="646331"/>
           </a:xfrm>
           <a:prstGeom prst="rect">
             <a:avLst/>
@@ -4832,12 +5136,12 @@
           <a:lstStyle/>
           <a:p>
             <a:r>
-              <a:rPr lang="de-DE" sz="1000" dirty="0">
-                <a:solidFill>
-                  <a:schemeClr val="bg1"/>
-                </a:solidFill>
-              </a:rPr>
-              <a:t>Praktikum Web-Anwendungen 2 | Fabian Groß, Sebastian Ray, Karsten Blank | SS2022 </a:t>
+              <a:rPr lang="de-DE" sz="3600" dirty="0">
+                <a:solidFill>
+                  <a:srgbClr val="1F346D"/>
+                </a:solidFill>
+              </a:rPr>
+              <a:t>Geschäftsvorschlag</a:t>
             </a:r>
           </a:p>
         </p:txBody>
@@ -4896,7 +5200,7 @@
           <a:lstStyle/>
           <a:p>
             <a:r>
-              <a:rPr lang="de-DE" sz="3000" dirty="0">
+              <a:rPr lang="de-DE" sz="3000" b="1" dirty="0">
                 <a:solidFill>
                   <a:schemeClr val="bg1"/>
                 </a:solidFill>
@@ -4904,7 +5208,7 @@
               <a:t>Mock-</a:t>
             </a:r>
             <a:r>
-              <a:rPr lang="de-DE" sz="3000" dirty="0" err="1">
+              <a:rPr lang="de-DE" sz="3000" b="1" dirty="0" err="1">
                 <a:solidFill>
                   <a:schemeClr val="bg1"/>
                 </a:solidFill>
@@ -4912,7 +5216,7 @@
               <a:t>Ups</a:t>
             </a:r>
             <a:r>
-              <a:rPr lang="de-DE" sz="3000" dirty="0">
+              <a:rPr lang="de-DE" sz="3000" b="1" dirty="0">
                 <a:solidFill>
                   <a:schemeClr val="bg1"/>
                 </a:solidFill>
@@ -5455,7 +5759,7 @@
           <a:lstStyle/>
           <a:p>
             <a:r>
-              <a:rPr lang="de-DE" sz="3000" dirty="0">
+              <a:rPr lang="de-DE" sz="3000" b="1" dirty="0">
                 <a:solidFill>
                   <a:schemeClr val="bg1"/>
                 </a:solidFill>
@@ -5494,7 +5798,7 @@
           <a:lstStyle/>
           <a:p>
             <a:r>
-              <a:rPr lang="de-DE" sz="2400" dirty="0">
+              <a:rPr lang="de-DE" sz="2000" dirty="0">
                 <a:solidFill>
                   <a:schemeClr val="bg1"/>
                 </a:solidFill>
@@ -5504,7 +5808,7 @@
           </a:p>
           <a:p>
             <a:r>
-              <a:rPr lang="de-DE" sz="2400" dirty="0">
+              <a:rPr lang="de-DE" sz="2000" dirty="0">
                 <a:solidFill>
                   <a:schemeClr val="bg1"/>
                 </a:solidFill>
@@ -5514,7 +5818,7 @@
           </a:p>
           <a:p>
             <a:r>
-              <a:rPr lang="de-DE" sz="2400" dirty="0">
+              <a:rPr lang="de-DE" sz="2000" dirty="0">
                 <a:solidFill>
                   <a:schemeClr val="bg1"/>
                 </a:solidFill>
@@ -5524,7 +5828,7 @@
           </a:p>
           <a:p>
             <a:r>
-              <a:rPr lang="de-DE" sz="2400" dirty="0">
+              <a:rPr lang="de-DE" sz="2000" dirty="0">
                 <a:solidFill>
                   <a:schemeClr val="bg1"/>
                 </a:solidFill>
@@ -5534,7 +5838,7 @@
           </a:p>
           <a:p>
             <a:r>
-              <a:rPr lang="de-DE" sz="2400" dirty="0">
+              <a:rPr lang="de-DE" sz="2000" dirty="0">
                 <a:solidFill>
                   <a:schemeClr val="bg1"/>
                 </a:solidFill>
@@ -5542,7 +5846,7 @@
               <a:t>Als Bootsführer kann ich über das Internet oder mein Mobilgerät sehen ob im Yachthafen noch Liegeplätze frei sind, freie Liegeplätze auswählen und nach Angabe des An- und Abreisedatums und Infos zu meinem Schiff / Boot eine Reservierung / Buchung anfragen. </a:t>
             </a:r>
             <a:r>
-              <a:rPr lang="de-DE" sz="2400" i="1" dirty="0">
+              <a:rPr lang="de-DE" sz="2000" i="1" dirty="0">
                 <a:solidFill>
                   <a:schemeClr val="bg1"/>
                 </a:solidFill>
@@ -5598,10 +5902,406 @@
       </p:grpSpPr>
       <p:sp>
         <p:nvSpPr>
-          <p:cNvPr id="2" name="Titel 1">
-            <a:extLst>
-              <a:ext uri="{FF2B5EF4-FFF2-40B4-BE49-F238E27FC236}">
-                <a16:creationId xmlns:a16="http://schemas.microsoft.com/office/drawing/2014/main" id="{E46059AA-A16E-4D99-871C-4F260E2079B2}"/>
+          <p:cNvPr id="3" name="Inhaltsplatzhalter 2">
+            <a:extLst>
+              <a:ext uri="{FF2B5EF4-FFF2-40B4-BE49-F238E27FC236}">
+                <a16:creationId xmlns:a16="http://schemas.microsoft.com/office/drawing/2014/main" id="{DD0094F4-0C6E-456B-B97E-22CB11F4FEE0}"/>
+              </a:ext>
+            </a:extLst>
+          </p:cNvPr>
+          <p:cNvSpPr>
+            <a:spLocks noGrp="1"/>
+          </p:cNvSpPr>
+          <p:nvPr>
+            <p:ph idx="1"/>
+          </p:nvPr>
+        </p:nvSpPr>
+        <p:spPr>
+          <a:xfrm>
+            <a:off x="838200" y="1206631"/>
+            <a:ext cx="10546976" cy="4970332"/>
+          </a:xfrm>
+        </p:spPr>
+        <p:txBody>
+          <a:bodyPr>
+            <a:normAutofit/>
+          </a:bodyPr>
+          <a:lstStyle/>
+          <a:p>
+            <a:r>
+              <a:rPr lang="de-DE" sz="2000" b="1" dirty="0">
+                <a:solidFill>
+                  <a:schemeClr val="bg1"/>
+                </a:solidFill>
+              </a:rPr>
+              <a:t>Erstellung ansprechendes Frontend/Client-Anwendung</a:t>
+            </a:r>
+          </a:p>
+          <a:p>
+            <a:pPr lvl="1"/>
+            <a:r>
+              <a:rPr lang="de-DE" sz="2000" dirty="0">
+                <a:solidFill>
+                  <a:schemeClr val="bg1"/>
+                </a:solidFill>
+              </a:rPr>
+              <a:t>Verwendung von HTML/CSS/JS/Bootstrap</a:t>
+            </a:r>
+          </a:p>
+          <a:p>
+            <a:pPr lvl="1"/>
+            <a:r>
+              <a:rPr lang="de-DE" sz="2000" dirty="0">
+                <a:solidFill>
+                  <a:schemeClr val="bg1"/>
+                </a:solidFill>
+              </a:rPr>
+              <a:t>4 Sub-Pages: Home | Hafen | Betreiber | FAQ | Buchen</a:t>
+            </a:r>
+          </a:p>
+          <a:p>
+            <a:pPr lvl="1"/>
+            <a:endParaRPr lang="de-DE" sz="2000" dirty="0">
+              <a:solidFill>
+                <a:schemeClr val="bg1"/>
+              </a:solidFill>
+            </a:endParaRPr>
+          </a:p>
+          <a:p>
+            <a:r>
+              <a:rPr lang="de-DE" sz="2000" b="1" dirty="0">
+                <a:solidFill>
+                  <a:schemeClr val="bg1"/>
+                </a:solidFill>
+              </a:rPr>
+              <a:t>Bereitstellung Backend/Datenbank für Buchungs-Funktion</a:t>
+            </a:r>
+          </a:p>
+          <a:p>
+            <a:pPr lvl="1"/>
+            <a:r>
+              <a:rPr lang="de-DE" sz="2000" dirty="0">
+                <a:solidFill>
+                  <a:schemeClr val="bg1"/>
+                </a:solidFill>
+              </a:rPr>
+              <a:t>Verwendung von SQLite &amp; </a:t>
+            </a:r>
+            <a:r>
+              <a:rPr lang="de-DE" sz="2000" dirty="0" err="1">
+                <a:solidFill>
+                  <a:schemeClr val="bg1"/>
+                </a:solidFill>
+              </a:rPr>
+              <a:t>NodeJS</a:t>
+            </a:r>
+            <a:endParaRPr lang="de-DE" sz="2000" dirty="0">
+              <a:solidFill>
+                <a:schemeClr val="bg1"/>
+              </a:solidFill>
+            </a:endParaRPr>
+          </a:p>
+          <a:p>
+            <a:pPr lvl="1"/>
+            <a:endParaRPr lang="de-DE" sz="2000" dirty="0">
+              <a:solidFill>
+                <a:schemeClr val="bg1"/>
+              </a:solidFill>
+            </a:endParaRPr>
+          </a:p>
+          <a:p>
+            <a:r>
+              <a:rPr lang="de-DE" sz="2000" b="1" dirty="0">
+                <a:solidFill>
+                  <a:schemeClr val="bg1"/>
+                </a:solidFill>
+              </a:rPr>
+              <a:t>Einhaltung des Zeitplans</a:t>
+            </a:r>
+          </a:p>
+          <a:p>
+            <a:pPr lvl="1"/>
+            <a:endParaRPr lang="de-DE" sz="2000" dirty="0">
+              <a:solidFill>
+                <a:schemeClr val="bg1"/>
+              </a:solidFill>
+            </a:endParaRPr>
+          </a:p>
+          <a:p>
+            <a:pPr lvl="1"/>
+            <a:endParaRPr lang="de-DE" sz="2000" dirty="0">
+              <a:solidFill>
+                <a:schemeClr val="bg1"/>
+              </a:solidFill>
+            </a:endParaRPr>
+          </a:p>
+          <a:p>
+            <a:endParaRPr lang="de-DE" sz="2400" i="1" dirty="0">
+              <a:solidFill>
+                <a:schemeClr val="bg1"/>
+              </a:solidFill>
+            </a:endParaRPr>
+          </a:p>
+          <a:p>
+            <a:endParaRPr lang="de-DE" sz="2400" dirty="0">
+              <a:solidFill>
+                <a:schemeClr val="bg1"/>
+              </a:solidFill>
+            </a:endParaRPr>
+          </a:p>
+          <a:p>
+            <a:endParaRPr lang="de-DE" sz="2400" dirty="0">
+              <a:solidFill>
+                <a:schemeClr val="bg1"/>
+              </a:solidFill>
+            </a:endParaRPr>
+          </a:p>
+        </p:txBody>
+      </p:sp>
+      <p:sp>
+        <p:nvSpPr>
+          <p:cNvPr id="4" name="Textfeld 3">
+            <a:extLst>
+              <a:ext uri="{FF2B5EF4-FFF2-40B4-BE49-F238E27FC236}">
+                <a16:creationId xmlns:a16="http://schemas.microsoft.com/office/drawing/2014/main" id="{36F2AE87-CD5A-44E2-88D8-A25AC06CA4BE}"/>
+              </a:ext>
+            </a:extLst>
+          </p:cNvPr>
+          <p:cNvSpPr txBox="1"/>
+          <p:nvPr/>
+        </p:nvSpPr>
+        <p:spPr>
+          <a:xfrm>
+            <a:off x="9090210" y="601212"/>
+            <a:ext cx="2419918" cy="400110"/>
+          </a:xfrm>
+          <a:prstGeom prst="rect">
+            <a:avLst/>
+          </a:prstGeom>
+          <a:noFill/>
+        </p:spPr>
+        <p:txBody>
+          <a:bodyPr wrap="square" rtlCol="0">
+            <a:spAutoFit/>
+          </a:bodyPr>
+          <a:lstStyle/>
+          <a:p>
+            <a:r>
+              <a:rPr lang="de-DE" sz="2000" b="1" dirty="0">
+                <a:solidFill>
+                  <a:schemeClr val="bg1"/>
+                </a:solidFill>
+              </a:rPr>
+              <a:t>Qualitätskriterium</a:t>
+            </a:r>
+            <a:endParaRPr lang="de-DE" b="1" dirty="0">
+              <a:solidFill>
+                <a:schemeClr val="bg1"/>
+              </a:solidFill>
+            </a:endParaRPr>
+          </a:p>
+        </p:txBody>
+      </p:sp>
+      <p:sp>
+        <p:nvSpPr>
+          <p:cNvPr id="5" name="Textfeld 4">
+            <a:extLst>
+              <a:ext uri="{FF2B5EF4-FFF2-40B4-BE49-F238E27FC236}">
+                <a16:creationId xmlns:a16="http://schemas.microsoft.com/office/drawing/2014/main" id="{356DAF6C-A1C0-42D1-8768-DCBD9820A013}"/>
+              </a:ext>
+            </a:extLst>
+          </p:cNvPr>
+          <p:cNvSpPr txBox="1"/>
+          <p:nvPr/>
+        </p:nvSpPr>
+        <p:spPr>
+          <a:xfrm>
+            <a:off x="8489579" y="1206631"/>
+            <a:ext cx="3550024" cy="1015663"/>
+          </a:xfrm>
+          <a:prstGeom prst="rect">
+            <a:avLst/>
+          </a:prstGeom>
+          <a:noFill/>
+        </p:spPr>
+        <p:txBody>
+          <a:bodyPr wrap="square" rtlCol="0">
+            <a:spAutoFit/>
+          </a:bodyPr>
+          <a:lstStyle/>
+          <a:p>
+            <a:pPr marL="171450" indent="-171450">
+              <a:buFont typeface="Arial" panose="020B0604020202020204" pitchFamily="34" charset="0"/>
+              <a:buChar char="•"/>
+            </a:pPr>
+            <a:r>
+              <a:rPr lang="de-DE" sz="1200" dirty="0">
+                <a:solidFill>
+                  <a:schemeClr val="bg1"/>
+                </a:solidFill>
+              </a:rPr>
+              <a:t>Website funktioniert ohne Fehler/Bugs</a:t>
+            </a:r>
+          </a:p>
+          <a:p>
+            <a:pPr marL="171450" indent="-171450">
+              <a:buFont typeface="Arial" panose="020B0604020202020204" pitchFamily="34" charset="0"/>
+              <a:buChar char="•"/>
+            </a:pPr>
+            <a:r>
+              <a:rPr lang="de-DE" sz="1200" dirty="0">
+                <a:solidFill>
+                  <a:schemeClr val="bg1"/>
+                </a:solidFill>
+              </a:rPr>
+              <a:t>Intuitive Navigation/Bedienung</a:t>
+            </a:r>
+          </a:p>
+          <a:p>
+            <a:pPr marL="171450" indent="-171450">
+              <a:buFont typeface="Arial" panose="020B0604020202020204" pitchFamily="34" charset="0"/>
+              <a:buChar char="•"/>
+            </a:pPr>
+            <a:r>
+              <a:rPr lang="de-DE" sz="1200" dirty="0">
+                <a:solidFill>
+                  <a:schemeClr val="bg1"/>
+                </a:solidFill>
+              </a:rPr>
+              <a:t>Website passt sich automatisch unterschiedlichen Devices (</a:t>
+            </a:r>
+            <a:r>
+              <a:rPr lang="de-DE" sz="1200" dirty="0" err="1">
+                <a:solidFill>
+                  <a:schemeClr val="bg1"/>
+                </a:solidFill>
+              </a:rPr>
+              <a:t>Desktop,Mobile</a:t>
+            </a:r>
+            <a:r>
+              <a:rPr lang="de-DE" sz="1200" dirty="0">
+                <a:solidFill>
+                  <a:schemeClr val="bg1"/>
+                </a:solidFill>
+              </a:rPr>
+              <a:t>,..) an</a:t>
+            </a:r>
+          </a:p>
+          <a:p>
+            <a:endParaRPr lang="de-DE" sz="1200" dirty="0">
+              <a:solidFill>
+                <a:schemeClr val="bg1"/>
+              </a:solidFill>
+            </a:endParaRPr>
+          </a:p>
+        </p:txBody>
+      </p:sp>
+      <p:sp>
+        <p:nvSpPr>
+          <p:cNvPr id="6" name="Textfeld 5">
+            <a:extLst>
+              <a:ext uri="{FF2B5EF4-FFF2-40B4-BE49-F238E27FC236}">
+                <a16:creationId xmlns:a16="http://schemas.microsoft.com/office/drawing/2014/main" id="{3A4DD2E4-6172-4B64-AFC5-B4EE7F3931A2}"/>
+              </a:ext>
+            </a:extLst>
+          </p:cNvPr>
+          <p:cNvSpPr txBox="1"/>
+          <p:nvPr/>
+        </p:nvSpPr>
+        <p:spPr>
+          <a:xfrm>
+            <a:off x="8489578" y="2757526"/>
+            <a:ext cx="3702421" cy="830997"/>
+          </a:xfrm>
+          <a:prstGeom prst="rect">
+            <a:avLst/>
+          </a:prstGeom>
+          <a:noFill/>
+        </p:spPr>
+        <p:txBody>
+          <a:bodyPr wrap="square" rtlCol="0">
+            <a:spAutoFit/>
+          </a:bodyPr>
+          <a:lstStyle/>
+          <a:p>
+            <a:pPr marL="171450" indent="-171450">
+              <a:buFont typeface="Arial" panose="020B0604020202020204" pitchFamily="34" charset="0"/>
+              <a:buChar char="•"/>
+            </a:pPr>
+            <a:r>
+              <a:rPr lang="de-DE" sz="1200" dirty="0">
+                <a:solidFill>
+                  <a:schemeClr val="bg1"/>
+                </a:solidFill>
+              </a:rPr>
+              <a:t>Entsprechende Tabellen sind auf dem SQLite-Server angelegt</a:t>
+            </a:r>
+          </a:p>
+          <a:p>
+            <a:pPr marL="171450" indent="-171450">
+              <a:buFont typeface="Arial" panose="020B0604020202020204" pitchFamily="34" charset="0"/>
+              <a:buChar char="•"/>
+            </a:pPr>
+            <a:r>
+              <a:rPr lang="de-DE" sz="1200" dirty="0">
+                <a:solidFill>
+                  <a:schemeClr val="bg1"/>
+                </a:solidFill>
+              </a:rPr>
+              <a:t>Buchung funktioniert, insb. kommt es nicht zu Buchungs-Kollisionen</a:t>
+            </a:r>
+          </a:p>
+        </p:txBody>
+      </p:sp>
+      <p:sp>
+        <p:nvSpPr>
+          <p:cNvPr id="7" name="Textfeld 6">
+            <a:extLst>
+              <a:ext uri="{FF2B5EF4-FFF2-40B4-BE49-F238E27FC236}">
+                <a16:creationId xmlns:a16="http://schemas.microsoft.com/office/drawing/2014/main" id="{F5A9B7F7-2556-4F1E-9F96-E80FA8B7700C}"/>
+              </a:ext>
+            </a:extLst>
+          </p:cNvPr>
+          <p:cNvSpPr txBox="1"/>
+          <p:nvPr/>
+        </p:nvSpPr>
+        <p:spPr>
+          <a:xfrm>
+            <a:off x="8489578" y="3916900"/>
+            <a:ext cx="3702421" cy="276999"/>
+          </a:xfrm>
+          <a:prstGeom prst="rect">
+            <a:avLst/>
+          </a:prstGeom>
+          <a:noFill/>
+        </p:spPr>
+        <p:txBody>
+          <a:bodyPr wrap="square" rtlCol="0">
+            <a:spAutoFit/>
+          </a:bodyPr>
+          <a:lstStyle/>
+          <a:p>
+            <a:pPr marL="171450" indent="-171450">
+              <a:buFont typeface="Arial" panose="020B0604020202020204" pitchFamily="34" charset="0"/>
+              <a:buChar char="•"/>
+            </a:pPr>
+            <a:r>
+              <a:rPr lang="de-DE" sz="1200" dirty="0">
+                <a:solidFill>
+                  <a:schemeClr val="bg1"/>
+                </a:solidFill>
+              </a:rPr>
+              <a:t>Meilensteine (siehe GANTT-Chart) werden erreicht</a:t>
+            </a:r>
+          </a:p>
+        </p:txBody>
+      </p:sp>
+      <p:sp>
+        <p:nvSpPr>
+          <p:cNvPr id="10" name="Titel 1">
+            <a:extLst>
+              <a:ext uri="{FF2B5EF4-FFF2-40B4-BE49-F238E27FC236}">
+                <a16:creationId xmlns:a16="http://schemas.microsoft.com/office/drawing/2014/main" id="{1B97A018-A3FA-491B-AEB5-F6121D300976}"/>
               </a:ext>
             </a:extLst>
           </p:cNvPr>
@@ -5614,7 +6314,7 @@
         </p:nvSpPr>
         <p:spPr>
           <a:xfrm>
-            <a:off x="806824" y="307762"/>
+            <a:off x="838200" y="365125"/>
             <a:ext cx="10515600" cy="1325563"/>
           </a:xfrm>
         </p:spPr>
@@ -5625,403 +6325,12 @@
           <a:lstStyle/>
           <a:p>
             <a:r>
-              <a:rPr lang="de-DE" sz="3000" dirty="0">
+              <a:rPr lang="de-DE" sz="3000" b="1" dirty="0">
                 <a:solidFill>
                   <a:schemeClr val="bg1"/>
                 </a:solidFill>
               </a:rPr>
               <a:t>Zieldefinition</a:t>
-            </a:r>
-          </a:p>
-        </p:txBody>
-      </p:sp>
-      <p:sp>
-        <p:nvSpPr>
-          <p:cNvPr id="3" name="Inhaltsplatzhalter 2">
-            <a:extLst>
-              <a:ext uri="{FF2B5EF4-FFF2-40B4-BE49-F238E27FC236}">
-                <a16:creationId xmlns:a16="http://schemas.microsoft.com/office/drawing/2014/main" id="{DD0094F4-0C6E-456B-B97E-22CB11F4FEE0}"/>
-              </a:ext>
-            </a:extLst>
-          </p:cNvPr>
-          <p:cNvSpPr>
-            <a:spLocks noGrp="1"/>
-          </p:cNvSpPr>
-          <p:nvPr>
-            <p:ph idx="1"/>
-          </p:nvPr>
-        </p:nvSpPr>
-        <p:spPr>
-          <a:xfrm>
-            <a:off x="838200" y="1206631"/>
-            <a:ext cx="10546976" cy="4970332"/>
-          </a:xfrm>
-        </p:spPr>
-        <p:txBody>
-          <a:bodyPr>
-            <a:normAutofit/>
-          </a:bodyPr>
-          <a:lstStyle/>
-          <a:p>
-            <a:r>
-              <a:rPr lang="de-DE" sz="2400" dirty="0">
-                <a:solidFill>
-                  <a:schemeClr val="bg1"/>
-                </a:solidFill>
-              </a:rPr>
-              <a:t>Erstellung ansprechendes Frontend/Client-Anwendung</a:t>
-            </a:r>
-          </a:p>
-          <a:p>
-            <a:pPr lvl="1"/>
-            <a:r>
-              <a:rPr lang="de-DE" sz="2000" dirty="0">
-                <a:solidFill>
-                  <a:schemeClr val="bg1"/>
-                </a:solidFill>
-              </a:rPr>
-              <a:t>Verwendung von HTML/CSS/JS/Bootstrap</a:t>
-            </a:r>
-          </a:p>
-          <a:p>
-            <a:pPr lvl="1"/>
-            <a:r>
-              <a:rPr lang="de-DE" sz="2000" dirty="0">
-                <a:solidFill>
-                  <a:schemeClr val="bg1"/>
-                </a:solidFill>
-              </a:rPr>
-              <a:t>4 Sub-Pages: Home | Hafen | Betreiber | FAQ | Buchen</a:t>
-            </a:r>
-          </a:p>
-          <a:p>
-            <a:pPr lvl="1"/>
-            <a:endParaRPr lang="de-DE" sz="2000" dirty="0">
-              <a:solidFill>
-                <a:schemeClr val="bg1"/>
-              </a:solidFill>
-            </a:endParaRPr>
-          </a:p>
-          <a:p>
-            <a:r>
-              <a:rPr lang="de-DE" sz="2400" dirty="0">
-                <a:solidFill>
-                  <a:schemeClr val="bg1"/>
-                </a:solidFill>
-              </a:rPr>
-              <a:t>Bereitstellung Backend/Datenbank für Buchungs-Funktion</a:t>
-            </a:r>
-          </a:p>
-          <a:p>
-            <a:pPr lvl="1"/>
-            <a:r>
-              <a:rPr lang="de-DE" sz="2000" dirty="0">
-                <a:solidFill>
-                  <a:schemeClr val="bg1"/>
-                </a:solidFill>
-              </a:rPr>
-              <a:t>Verwendung von SQLite &amp; </a:t>
-            </a:r>
-            <a:r>
-              <a:rPr lang="de-DE" sz="2000" dirty="0" err="1">
-                <a:solidFill>
-                  <a:schemeClr val="bg1"/>
-                </a:solidFill>
-              </a:rPr>
-              <a:t>NodeJS</a:t>
-            </a:r>
-            <a:endParaRPr lang="de-DE" sz="2000" dirty="0">
-              <a:solidFill>
-                <a:schemeClr val="bg1"/>
-              </a:solidFill>
-            </a:endParaRPr>
-          </a:p>
-          <a:p>
-            <a:pPr lvl="1"/>
-            <a:endParaRPr lang="de-DE" sz="2000" dirty="0">
-              <a:solidFill>
-                <a:schemeClr val="bg1"/>
-              </a:solidFill>
-            </a:endParaRPr>
-          </a:p>
-          <a:p>
-            <a:r>
-              <a:rPr lang="de-DE" sz="2400" dirty="0">
-                <a:solidFill>
-                  <a:schemeClr val="bg1"/>
-                </a:solidFill>
-              </a:rPr>
-              <a:t>Einhaltung des Zeitplans</a:t>
-            </a:r>
-          </a:p>
-          <a:p>
-            <a:pPr lvl="1"/>
-            <a:endParaRPr lang="de-DE" sz="2000" dirty="0">
-              <a:solidFill>
-                <a:schemeClr val="bg1"/>
-              </a:solidFill>
-            </a:endParaRPr>
-          </a:p>
-          <a:p>
-            <a:pPr lvl="1"/>
-            <a:endParaRPr lang="de-DE" sz="2000" dirty="0">
-              <a:solidFill>
-                <a:schemeClr val="bg1"/>
-              </a:solidFill>
-            </a:endParaRPr>
-          </a:p>
-          <a:p>
-            <a:endParaRPr lang="de-DE" sz="2400" i="1" dirty="0">
-              <a:solidFill>
-                <a:schemeClr val="bg1"/>
-              </a:solidFill>
-            </a:endParaRPr>
-          </a:p>
-          <a:p>
-            <a:endParaRPr lang="de-DE" sz="2400" dirty="0">
-              <a:solidFill>
-                <a:schemeClr val="bg1"/>
-              </a:solidFill>
-            </a:endParaRPr>
-          </a:p>
-          <a:p>
-            <a:endParaRPr lang="de-DE" sz="2400" dirty="0">
-              <a:solidFill>
-                <a:schemeClr val="bg1"/>
-              </a:solidFill>
-            </a:endParaRPr>
-          </a:p>
-        </p:txBody>
-      </p:sp>
-      <p:sp>
-        <p:nvSpPr>
-          <p:cNvPr id="4" name="Textfeld 3">
-            <a:extLst>
-              <a:ext uri="{FF2B5EF4-FFF2-40B4-BE49-F238E27FC236}">
-                <a16:creationId xmlns:a16="http://schemas.microsoft.com/office/drawing/2014/main" id="{36F2AE87-CD5A-44E2-88D8-A25AC06CA4BE}"/>
-              </a:ext>
-            </a:extLst>
-          </p:cNvPr>
-          <p:cNvSpPr txBox="1"/>
-          <p:nvPr/>
-        </p:nvSpPr>
-        <p:spPr>
-          <a:xfrm>
-            <a:off x="9090210" y="601212"/>
-            <a:ext cx="2115671" cy="369332"/>
-          </a:xfrm>
-          <a:prstGeom prst="rect">
-            <a:avLst/>
-          </a:prstGeom>
-          <a:noFill/>
-        </p:spPr>
-        <p:txBody>
-          <a:bodyPr wrap="square" rtlCol="0">
-            <a:spAutoFit/>
-          </a:bodyPr>
-          <a:lstStyle/>
-          <a:p>
-            <a:r>
-              <a:rPr lang="de-DE" b="1" dirty="0">
-                <a:solidFill>
-                  <a:schemeClr val="bg1"/>
-                </a:solidFill>
-              </a:rPr>
-              <a:t>Qualitätskriterium</a:t>
-            </a:r>
-          </a:p>
-        </p:txBody>
-      </p:sp>
-      <p:sp>
-        <p:nvSpPr>
-          <p:cNvPr id="5" name="Textfeld 4">
-            <a:extLst>
-              <a:ext uri="{FF2B5EF4-FFF2-40B4-BE49-F238E27FC236}">
-                <a16:creationId xmlns:a16="http://schemas.microsoft.com/office/drawing/2014/main" id="{356DAF6C-A1C0-42D1-8768-DCBD9820A013}"/>
-              </a:ext>
-            </a:extLst>
-          </p:cNvPr>
-          <p:cNvSpPr txBox="1"/>
-          <p:nvPr/>
-        </p:nvSpPr>
-        <p:spPr>
-          <a:xfrm>
-            <a:off x="8489579" y="1206631"/>
-            <a:ext cx="3550024" cy="1015663"/>
-          </a:xfrm>
-          <a:prstGeom prst="rect">
-            <a:avLst/>
-          </a:prstGeom>
-          <a:noFill/>
-        </p:spPr>
-        <p:txBody>
-          <a:bodyPr wrap="square" rtlCol="0">
-            <a:spAutoFit/>
-          </a:bodyPr>
-          <a:lstStyle/>
-          <a:p>
-            <a:pPr marL="171450" indent="-171450">
-              <a:buFont typeface="Arial" panose="020B0604020202020204" pitchFamily="34" charset="0"/>
-              <a:buChar char="•"/>
-            </a:pPr>
-            <a:r>
-              <a:rPr lang="de-DE" sz="1200" dirty="0">
-                <a:solidFill>
-                  <a:schemeClr val="bg1"/>
-                </a:solidFill>
-              </a:rPr>
-              <a:t>Website funktioniert ohne Fehler/Bugs</a:t>
-            </a:r>
-          </a:p>
-          <a:p>
-            <a:pPr marL="171450" indent="-171450">
-              <a:buFont typeface="Arial" panose="020B0604020202020204" pitchFamily="34" charset="0"/>
-              <a:buChar char="•"/>
-            </a:pPr>
-            <a:r>
-              <a:rPr lang="de-DE" sz="1200" dirty="0">
-                <a:solidFill>
-                  <a:schemeClr val="bg1"/>
-                </a:solidFill>
-              </a:rPr>
-              <a:t>Intuitive Navigation/Bedienung</a:t>
-            </a:r>
-          </a:p>
-          <a:p>
-            <a:pPr marL="171450" indent="-171450">
-              <a:buFont typeface="Arial" panose="020B0604020202020204" pitchFamily="34" charset="0"/>
-              <a:buChar char="•"/>
-            </a:pPr>
-            <a:r>
-              <a:rPr lang="de-DE" sz="1200" dirty="0">
-                <a:solidFill>
-                  <a:schemeClr val="bg1"/>
-                </a:solidFill>
-              </a:rPr>
-              <a:t>Website passt sich automatisch unterschiedlichen Devices (</a:t>
-            </a:r>
-            <a:r>
-              <a:rPr lang="de-DE" sz="1200" dirty="0" err="1">
-                <a:solidFill>
-                  <a:schemeClr val="bg1"/>
-                </a:solidFill>
-              </a:rPr>
-              <a:t>Desktop,Mobile</a:t>
-            </a:r>
-            <a:r>
-              <a:rPr lang="de-DE" sz="1200" dirty="0">
-                <a:solidFill>
-                  <a:schemeClr val="bg1"/>
-                </a:solidFill>
-              </a:rPr>
-              <a:t>,..) an</a:t>
-            </a:r>
-          </a:p>
-          <a:p>
-            <a:endParaRPr lang="de-DE" sz="1200" dirty="0">
-              <a:solidFill>
-                <a:schemeClr val="bg1"/>
-              </a:solidFill>
-            </a:endParaRPr>
-          </a:p>
-        </p:txBody>
-      </p:sp>
-      <p:sp>
-        <p:nvSpPr>
-          <p:cNvPr id="6" name="Textfeld 5">
-            <a:extLst>
-              <a:ext uri="{FF2B5EF4-FFF2-40B4-BE49-F238E27FC236}">
-                <a16:creationId xmlns:a16="http://schemas.microsoft.com/office/drawing/2014/main" id="{3A4DD2E4-6172-4B64-AFC5-B4EE7F3931A2}"/>
-              </a:ext>
-            </a:extLst>
-          </p:cNvPr>
-          <p:cNvSpPr txBox="1"/>
-          <p:nvPr/>
-        </p:nvSpPr>
-        <p:spPr>
-          <a:xfrm>
-            <a:off x="8489578" y="2757526"/>
-            <a:ext cx="3702421" cy="830997"/>
-          </a:xfrm>
-          <a:prstGeom prst="rect">
-            <a:avLst/>
-          </a:prstGeom>
-          <a:noFill/>
-        </p:spPr>
-        <p:txBody>
-          <a:bodyPr wrap="square" rtlCol="0">
-            <a:spAutoFit/>
-          </a:bodyPr>
-          <a:lstStyle/>
-          <a:p>
-            <a:pPr marL="171450" indent="-171450">
-              <a:buFont typeface="Arial" panose="020B0604020202020204" pitchFamily="34" charset="0"/>
-              <a:buChar char="•"/>
-            </a:pPr>
-            <a:r>
-              <a:rPr lang="de-DE" sz="1200" dirty="0">
-                <a:solidFill>
-                  <a:schemeClr val="bg1"/>
-                </a:solidFill>
-              </a:rPr>
-              <a:t>Entsprechende Tabellen sind auf dem SQLite-Server angelegt</a:t>
-            </a:r>
-          </a:p>
-          <a:p>
-            <a:pPr marL="171450" indent="-171450">
-              <a:buFont typeface="Arial" panose="020B0604020202020204" pitchFamily="34" charset="0"/>
-              <a:buChar char="•"/>
-            </a:pPr>
-            <a:r>
-              <a:rPr lang="de-DE" sz="1200" dirty="0">
-                <a:solidFill>
-                  <a:schemeClr val="bg1"/>
-                </a:solidFill>
-              </a:rPr>
-              <a:t>Buchung funktioniert, insb. kommt es nicht zu Buchungs-Kollisionen</a:t>
-            </a:r>
-          </a:p>
-        </p:txBody>
-      </p:sp>
-      <p:sp>
-        <p:nvSpPr>
-          <p:cNvPr id="7" name="Textfeld 6">
-            <a:extLst>
-              <a:ext uri="{FF2B5EF4-FFF2-40B4-BE49-F238E27FC236}">
-                <a16:creationId xmlns:a16="http://schemas.microsoft.com/office/drawing/2014/main" id="{F5A9B7F7-2556-4F1E-9F96-E80FA8B7700C}"/>
-              </a:ext>
-            </a:extLst>
-          </p:cNvPr>
-          <p:cNvSpPr txBox="1"/>
-          <p:nvPr/>
-        </p:nvSpPr>
-        <p:spPr>
-          <a:xfrm>
-            <a:off x="8489578" y="3916900"/>
-            <a:ext cx="3702421" cy="276999"/>
-          </a:xfrm>
-          <a:prstGeom prst="rect">
-            <a:avLst/>
-          </a:prstGeom>
-          <a:noFill/>
-        </p:spPr>
-        <p:txBody>
-          <a:bodyPr wrap="square" rtlCol="0">
-            <a:spAutoFit/>
-          </a:bodyPr>
-          <a:lstStyle/>
-          <a:p>
-            <a:pPr marL="171450" indent="-171450">
-              <a:buFont typeface="Arial" panose="020B0604020202020204" pitchFamily="34" charset="0"/>
-              <a:buChar char="•"/>
-            </a:pPr>
-            <a:r>
-              <a:rPr lang="de-DE" sz="1200" dirty="0">
-                <a:solidFill>
-                  <a:schemeClr val="bg1"/>
-                </a:solidFill>
-              </a:rPr>
-              <a:t>Meilensteine (siehe GANTT-Chart) werden erreicht</a:t>
             </a:r>
           </a:p>
         </p:txBody>
@@ -6080,302 +6389,65 @@
           <a:lstStyle/>
           <a:p>
             <a:r>
-              <a:rPr lang="de-DE" sz="3000" dirty="0">
-                <a:solidFill>
-                  <a:schemeClr val="bg1"/>
-                </a:solidFill>
-              </a:rPr>
-              <a:t>Projektumfang &amp; Realisierbarkeit</a:t>
-            </a:r>
-          </a:p>
-        </p:txBody>
-      </p:sp>
-      <p:sp>
-        <p:nvSpPr>
-          <p:cNvPr id="3" name="Inhaltsplatzhalter 2">
-            <a:extLst>
-              <a:ext uri="{FF2B5EF4-FFF2-40B4-BE49-F238E27FC236}">
-                <a16:creationId xmlns:a16="http://schemas.microsoft.com/office/drawing/2014/main" id="{DD0094F4-0C6E-456B-B97E-22CB11F4FEE0}"/>
-              </a:ext>
-            </a:extLst>
-          </p:cNvPr>
-          <p:cNvSpPr>
-            <a:spLocks noGrp="1"/>
-          </p:cNvSpPr>
-          <p:nvPr>
-            <p:ph idx="1"/>
-          </p:nvPr>
-        </p:nvSpPr>
-        <p:spPr>
+              <a:rPr lang="de-DE" sz="3000" b="1" dirty="0">
+                <a:solidFill>
+                  <a:schemeClr val="bg1"/>
+                </a:solidFill>
+              </a:rPr>
+              <a:t>Organisationsplanung mit zeitlichem Horizont (GANTT-Diagramm)</a:t>
+            </a:r>
+          </a:p>
+        </p:txBody>
+      </p:sp>
+      <p:pic>
+        <p:nvPicPr>
+          <p:cNvPr id="6" name="Picture 2">
+            <a:extLst>
+              <a:ext uri="{FF2B5EF4-FFF2-40B4-BE49-F238E27FC236}">
+                <a16:creationId xmlns:a16="http://schemas.microsoft.com/office/drawing/2014/main" id="{AA3B64E0-5E3D-4768-B025-D27E46FF7F9E}"/>
+              </a:ext>
+            </a:extLst>
+          </p:cNvPr>
+          <p:cNvPicPr>
+            <a:picLocks noChangeAspect="1" noChangeArrowheads="1"/>
+          </p:cNvPicPr>
+          <p:nvPr/>
+        </p:nvPicPr>
+        <p:blipFill rotWithShape="1">
+          <a:blip r:embed="rId2">
+            <a:extLst>
+              <a:ext uri="{28A0092B-C50C-407E-A947-70E740481C1C}">
+                <a14:useLocalDpi xmlns:a14="http://schemas.microsoft.com/office/drawing/2010/main" val="0"/>
+              </a:ext>
+            </a:extLst>
+          </a:blip>
+          <a:srcRect r="8191"/>
+          <a:stretch/>
+        </p:blipFill>
+        <p:spPr bwMode="auto">
           <a:xfrm>
-            <a:off x="838200" y="1206631"/>
-            <a:ext cx="10515600" cy="4970332"/>
-          </a:xfrm>
-        </p:spPr>
-        <p:txBody>
-          <a:bodyPr>
-            <a:normAutofit/>
-          </a:bodyPr>
-          <a:lstStyle/>
-          <a:p>
-            <a:r>
-              <a:rPr lang="de-DE" sz="2400" dirty="0">
-                <a:solidFill>
-                  <a:schemeClr val="bg1"/>
-                </a:solidFill>
-              </a:rPr>
-              <a:t>Projekt-Umfang:</a:t>
-            </a:r>
-          </a:p>
-          <a:p>
-            <a:pPr lvl="1"/>
-            <a:r>
-              <a:rPr lang="de-DE" sz="2000" dirty="0">
-                <a:solidFill>
-                  <a:schemeClr val="bg1"/>
-                </a:solidFill>
-              </a:rPr>
-              <a:t>12 Wochen von Kick-Off bis Release, davon:</a:t>
-            </a:r>
-          </a:p>
-          <a:p>
-            <a:pPr lvl="2"/>
-            <a:r>
-              <a:rPr lang="de-DE" sz="1600" dirty="0">
-                <a:solidFill>
-                  <a:schemeClr val="bg1"/>
-                </a:solidFill>
-              </a:rPr>
-              <a:t>1 Wochen für Geschäftsvorschlag</a:t>
-            </a:r>
-          </a:p>
-          <a:p>
-            <a:pPr lvl="2"/>
-            <a:r>
-              <a:rPr lang="de-DE" sz="1600" dirty="0">
-                <a:solidFill>
-                  <a:schemeClr val="bg1"/>
-                </a:solidFill>
-              </a:rPr>
-              <a:t>3 Wochen für HTML/CSS-Prototyp</a:t>
-            </a:r>
-          </a:p>
-          <a:p>
-            <a:pPr lvl="2"/>
-            <a:r>
-              <a:rPr lang="de-DE" sz="1600" dirty="0">
-                <a:solidFill>
-                  <a:schemeClr val="bg1"/>
-                </a:solidFill>
-              </a:rPr>
-              <a:t>3 Wochen für dynamischen Prototyp inkl. Datenbank/Backend</a:t>
-            </a:r>
-          </a:p>
-          <a:p>
-            <a:pPr lvl="2"/>
-            <a:r>
-              <a:rPr lang="de-DE" sz="1600" dirty="0">
-                <a:solidFill>
-                  <a:schemeClr val="bg1"/>
-                </a:solidFill>
-              </a:rPr>
-              <a:t>5 Wochen für Vorbereitung des finalen Release</a:t>
-            </a:r>
-            <a:endParaRPr lang="de-DE" sz="2000" dirty="0">
-              <a:solidFill>
-                <a:schemeClr val="bg1"/>
-              </a:solidFill>
-            </a:endParaRPr>
-          </a:p>
-          <a:p>
-            <a:r>
-              <a:rPr lang="de-DE" sz="2400" dirty="0">
-                <a:solidFill>
-                  <a:schemeClr val="bg1"/>
-                </a:solidFill>
-              </a:rPr>
-              <a:t>Ressourcen:</a:t>
-            </a:r>
-          </a:p>
-          <a:p>
-            <a:pPr lvl="1"/>
-            <a:r>
-              <a:rPr lang="de-DE" sz="2000" dirty="0">
-                <a:solidFill>
-                  <a:schemeClr val="bg1"/>
-                </a:solidFill>
-              </a:rPr>
-              <a:t>3 Entwickler / Studenten</a:t>
-            </a:r>
-            <a:endParaRPr lang="de-DE" sz="2400" i="1" dirty="0">
-              <a:solidFill>
-                <a:schemeClr val="bg1"/>
-              </a:solidFill>
-            </a:endParaRPr>
-          </a:p>
-          <a:p>
-            <a:r>
-              <a:rPr lang="de-DE" sz="2400" dirty="0">
-                <a:solidFill>
-                  <a:schemeClr val="bg1"/>
-                </a:solidFill>
-              </a:rPr>
-              <a:t>Risiken:</a:t>
-            </a:r>
-          </a:p>
-          <a:p>
-            <a:pPr lvl="1"/>
-            <a:r>
-              <a:rPr lang="de-DE" sz="2000" dirty="0">
-                <a:solidFill>
-                  <a:schemeClr val="bg1"/>
-                </a:solidFill>
-              </a:rPr>
-              <a:t>Technische Probleme</a:t>
-            </a:r>
-          </a:p>
-          <a:p>
-            <a:pPr lvl="1"/>
-            <a:r>
-              <a:rPr lang="de-DE" sz="2000" dirty="0">
-                <a:solidFill>
-                  <a:schemeClr val="bg1"/>
-                </a:solidFill>
-              </a:rPr>
-              <a:t>Zu geringe Expertise der Entwickler – insbesondere in der Backend-Programmierung</a:t>
-            </a:r>
-          </a:p>
-          <a:p>
-            <a:pPr lvl="1"/>
-            <a:r>
-              <a:rPr lang="de-DE" sz="2000" dirty="0">
-                <a:solidFill>
-                  <a:schemeClr val="bg1"/>
-                </a:solidFill>
-              </a:rPr>
-              <a:t>Timeline kann nicht gehalten werden</a:t>
-            </a:r>
-          </a:p>
-          <a:p>
-            <a:endParaRPr lang="de-DE" sz="2400" i="1" dirty="0">
-              <a:solidFill>
-                <a:schemeClr val="bg1"/>
-              </a:solidFill>
-            </a:endParaRPr>
-          </a:p>
-          <a:p>
-            <a:endParaRPr lang="de-DE" sz="2400" dirty="0">
-              <a:solidFill>
-                <a:schemeClr val="bg1"/>
-              </a:solidFill>
-            </a:endParaRPr>
-          </a:p>
-          <a:p>
-            <a:endParaRPr lang="de-DE" sz="2400" dirty="0">
-              <a:solidFill>
-                <a:schemeClr val="bg1"/>
-              </a:solidFill>
-            </a:endParaRPr>
-          </a:p>
-        </p:txBody>
-      </p:sp>
-      <p:sp>
-        <p:nvSpPr>
-          <p:cNvPr id="4" name="Gleichschenkliges Dreieck 3">
-            <a:extLst>
-              <a:ext uri="{FF2B5EF4-FFF2-40B4-BE49-F238E27FC236}">
-                <a16:creationId xmlns:a16="http://schemas.microsoft.com/office/drawing/2014/main" id="{15086A6A-94A0-4B19-9885-C2260D458E9B}"/>
-              </a:ext>
-            </a:extLst>
-          </p:cNvPr>
-          <p:cNvSpPr/>
-          <p:nvPr/>
-        </p:nvSpPr>
-        <p:spPr>
-          <a:xfrm rot="5400000">
-            <a:off x="865094" y="5836027"/>
-            <a:ext cx="457200" cy="322729"/>
-          </a:xfrm>
-          <a:prstGeom prst="triangle">
-            <a:avLst/>
-          </a:prstGeom>
-          <a:solidFill>
-            <a:schemeClr val="bg1"/>
-          </a:solidFill>
-          <a:ln>
-            <a:solidFill>
-              <a:schemeClr val="bg1"/>
-            </a:solidFill>
-          </a:ln>
-        </p:spPr>
-        <p:style>
-          <a:lnRef idx="2">
-            <a:schemeClr val="accent1">
-              <a:shade val="50000"/>
-            </a:schemeClr>
-          </a:lnRef>
-          <a:fillRef idx="1">
-            <a:schemeClr val="accent1"/>
-          </a:fillRef>
-          <a:effectRef idx="0">
-            <a:schemeClr val="accent1"/>
-          </a:effectRef>
-          <a:fontRef idx="minor">
-            <a:schemeClr val="lt1"/>
-          </a:fontRef>
-        </p:style>
-        <p:txBody>
-          <a:bodyPr rtlCol="0" anchor="ctr"/>
-          <a:lstStyle/>
-          <a:p>
-            <a:pPr algn="ctr"/>
-            <a:endParaRPr lang="de-DE"/>
-          </a:p>
-        </p:txBody>
-      </p:sp>
-      <p:sp>
-        <p:nvSpPr>
-          <p:cNvPr id="5" name="Textfeld 4">
-            <a:extLst>
-              <a:ext uri="{FF2B5EF4-FFF2-40B4-BE49-F238E27FC236}">
-                <a16:creationId xmlns:a16="http://schemas.microsoft.com/office/drawing/2014/main" id="{572F9A16-5D24-460B-A2D4-836790002E79}"/>
-              </a:ext>
-            </a:extLst>
-          </p:cNvPr>
-          <p:cNvSpPr txBox="1"/>
-          <p:nvPr/>
-        </p:nvSpPr>
-        <p:spPr>
-          <a:xfrm>
-            <a:off x="1497106" y="5820803"/>
-            <a:ext cx="8346141" cy="369332"/>
+            <a:off x="499342" y="1594159"/>
+            <a:ext cx="11193316" cy="4343400"/>
           </a:xfrm>
           <a:prstGeom prst="rect">
             <a:avLst/>
           </a:prstGeom>
           <a:noFill/>
-        </p:spPr>
-        <p:txBody>
-          <a:bodyPr wrap="square" rtlCol="0">
-            <a:spAutoFit/>
-          </a:bodyPr>
-          <a:lstStyle/>
-          <a:p>
-            <a:r>
-              <a:rPr lang="de-DE" dirty="0">
-                <a:solidFill>
-                  <a:schemeClr val="bg1"/>
-                </a:solidFill>
-              </a:rPr>
-              <a:t>In Summe erscheint das Projekt trotz der bestehenden Risiken als realisierbar</a:t>
-            </a:r>
-          </a:p>
-        </p:txBody>
-      </p:sp>
+          <a:extLst>
+            <a:ext uri="{909E8E84-426E-40DD-AFC4-6F175D3DCCD1}">
+              <a14:hiddenFill xmlns:a14="http://schemas.microsoft.com/office/drawing/2010/main">
+                <a:solidFill>
+                  <a:srgbClr val="FFFFFF"/>
+                </a:solidFill>
+              </a14:hiddenFill>
+            </a:ext>
+          </a:extLst>
+        </p:spPr>
+      </p:pic>
     </p:spTree>
     <p:extLst>
       <p:ext uri="{BB962C8B-B14F-4D97-AF65-F5344CB8AC3E}">
-        <p14:creationId xmlns:p14="http://schemas.microsoft.com/office/powerpoint/2010/main" val="2272158788"/>
+        <p14:creationId xmlns:p14="http://schemas.microsoft.com/office/powerpoint/2010/main" val="2796202577"/>
       </p:ext>
     </p:extLst>
   </p:cSld>
@@ -6426,65 +6498,302 @@
           <a:lstStyle/>
           <a:p>
             <a:r>
-              <a:rPr lang="de-DE" sz="3000" dirty="0">
-                <a:solidFill>
-                  <a:schemeClr val="bg1"/>
-                </a:solidFill>
-              </a:rPr>
-              <a:t>Organisationsplanung mit zeitlichem Horizont (GANTT-Diagramm)</a:t>
-            </a:r>
-          </a:p>
-        </p:txBody>
-      </p:sp>
-      <p:pic>
-        <p:nvPicPr>
-          <p:cNvPr id="6" name="Picture 2">
-            <a:extLst>
-              <a:ext uri="{FF2B5EF4-FFF2-40B4-BE49-F238E27FC236}">
-                <a16:creationId xmlns:a16="http://schemas.microsoft.com/office/drawing/2014/main" id="{AA3B64E0-5E3D-4768-B025-D27E46FF7F9E}"/>
-              </a:ext>
-            </a:extLst>
-          </p:cNvPr>
-          <p:cNvPicPr>
-            <a:picLocks noChangeAspect="1" noChangeArrowheads="1"/>
-          </p:cNvPicPr>
+              <a:rPr lang="de-DE" sz="3000" b="1" dirty="0">
+                <a:solidFill>
+                  <a:schemeClr val="bg1"/>
+                </a:solidFill>
+              </a:rPr>
+              <a:t>Projektumfang &amp; Realisierbarkeit</a:t>
+            </a:r>
+          </a:p>
+        </p:txBody>
+      </p:sp>
+      <p:sp>
+        <p:nvSpPr>
+          <p:cNvPr id="3" name="Inhaltsplatzhalter 2">
+            <a:extLst>
+              <a:ext uri="{FF2B5EF4-FFF2-40B4-BE49-F238E27FC236}">
+                <a16:creationId xmlns:a16="http://schemas.microsoft.com/office/drawing/2014/main" id="{DD0094F4-0C6E-456B-B97E-22CB11F4FEE0}"/>
+              </a:ext>
+            </a:extLst>
+          </p:cNvPr>
+          <p:cNvSpPr>
+            <a:spLocks noGrp="1"/>
+          </p:cNvSpPr>
+          <p:nvPr>
+            <p:ph idx="1"/>
+          </p:nvPr>
+        </p:nvSpPr>
+        <p:spPr>
+          <a:xfrm>
+            <a:off x="838200" y="1206631"/>
+            <a:ext cx="10515600" cy="4970332"/>
+          </a:xfrm>
+        </p:spPr>
+        <p:txBody>
+          <a:bodyPr>
+            <a:normAutofit/>
+          </a:bodyPr>
+          <a:lstStyle/>
+          <a:p>
+            <a:r>
+              <a:rPr lang="de-DE" sz="2400" dirty="0">
+                <a:solidFill>
+                  <a:schemeClr val="bg1"/>
+                </a:solidFill>
+              </a:rPr>
+              <a:t>Projekt-Umfang:</a:t>
+            </a:r>
+          </a:p>
+          <a:p>
+            <a:pPr lvl="1"/>
+            <a:r>
+              <a:rPr lang="de-DE" sz="2000" dirty="0">
+                <a:solidFill>
+                  <a:schemeClr val="bg1"/>
+                </a:solidFill>
+              </a:rPr>
+              <a:t>12 Wochen von Kick-Off bis Release, davon:</a:t>
+            </a:r>
+          </a:p>
+          <a:p>
+            <a:pPr lvl="2"/>
+            <a:r>
+              <a:rPr lang="de-DE" sz="1600" dirty="0">
+                <a:solidFill>
+                  <a:schemeClr val="bg1"/>
+                </a:solidFill>
+              </a:rPr>
+              <a:t>1 Wochen für Geschäftsvorschlag</a:t>
+            </a:r>
+          </a:p>
+          <a:p>
+            <a:pPr lvl="2"/>
+            <a:r>
+              <a:rPr lang="de-DE" sz="1600" dirty="0">
+                <a:solidFill>
+                  <a:schemeClr val="bg1"/>
+                </a:solidFill>
+              </a:rPr>
+              <a:t>3 Wochen für HTML/CSS-Prototyp</a:t>
+            </a:r>
+          </a:p>
+          <a:p>
+            <a:pPr lvl="2"/>
+            <a:r>
+              <a:rPr lang="de-DE" sz="1600" dirty="0">
+                <a:solidFill>
+                  <a:schemeClr val="bg1"/>
+                </a:solidFill>
+              </a:rPr>
+              <a:t>3 Wochen für dynamischen Prototyp inkl. Datenbank/Backend</a:t>
+            </a:r>
+          </a:p>
+          <a:p>
+            <a:pPr lvl="2"/>
+            <a:r>
+              <a:rPr lang="de-DE" sz="1600" dirty="0">
+                <a:solidFill>
+                  <a:schemeClr val="bg1"/>
+                </a:solidFill>
+              </a:rPr>
+              <a:t>5 Wochen für Vorbereitung des finalen Release</a:t>
+            </a:r>
+            <a:endParaRPr lang="de-DE" sz="2000" dirty="0">
+              <a:solidFill>
+                <a:schemeClr val="bg1"/>
+              </a:solidFill>
+            </a:endParaRPr>
+          </a:p>
+          <a:p>
+            <a:r>
+              <a:rPr lang="de-DE" sz="2400" dirty="0">
+                <a:solidFill>
+                  <a:schemeClr val="bg1"/>
+                </a:solidFill>
+              </a:rPr>
+              <a:t>Ressourcen:</a:t>
+            </a:r>
+          </a:p>
+          <a:p>
+            <a:pPr lvl="1"/>
+            <a:r>
+              <a:rPr lang="de-DE" sz="2000" dirty="0">
+                <a:solidFill>
+                  <a:schemeClr val="bg1"/>
+                </a:solidFill>
+              </a:rPr>
+              <a:t>3 Entwickler / Studenten</a:t>
+            </a:r>
+            <a:endParaRPr lang="de-DE" sz="2400" i="1" dirty="0">
+              <a:solidFill>
+                <a:schemeClr val="bg1"/>
+              </a:solidFill>
+            </a:endParaRPr>
+          </a:p>
+          <a:p>
+            <a:r>
+              <a:rPr lang="de-DE" sz="2400" dirty="0">
+                <a:solidFill>
+                  <a:schemeClr val="bg1"/>
+                </a:solidFill>
+              </a:rPr>
+              <a:t>Risiken:</a:t>
+            </a:r>
+          </a:p>
+          <a:p>
+            <a:pPr lvl="1"/>
+            <a:r>
+              <a:rPr lang="de-DE" sz="2000" dirty="0">
+                <a:solidFill>
+                  <a:schemeClr val="bg1"/>
+                </a:solidFill>
+              </a:rPr>
+              <a:t>Technische Probleme</a:t>
+            </a:r>
+          </a:p>
+          <a:p>
+            <a:pPr lvl="1"/>
+            <a:r>
+              <a:rPr lang="de-DE" sz="2000" dirty="0">
+                <a:solidFill>
+                  <a:schemeClr val="bg1"/>
+                </a:solidFill>
+              </a:rPr>
+              <a:t>Zu geringe Expertise der Entwickler – insbesondere in der Backend-Programmierung</a:t>
+            </a:r>
+          </a:p>
+          <a:p>
+            <a:pPr lvl="1"/>
+            <a:r>
+              <a:rPr lang="de-DE" sz="2000" dirty="0">
+                <a:solidFill>
+                  <a:schemeClr val="bg1"/>
+                </a:solidFill>
+              </a:rPr>
+              <a:t>Timeline kann nicht gehalten werden</a:t>
+            </a:r>
+          </a:p>
+          <a:p>
+            <a:endParaRPr lang="de-DE" sz="2400" i="1" dirty="0">
+              <a:solidFill>
+                <a:schemeClr val="bg1"/>
+              </a:solidFill>
+            </a:endParaRPr>
+          </a:p>
+          <a:p>
+            <a:endParaRPr lang="de-DE" sz="2400" dirty="0">
+              <a:solidFill>
+                <a:schemeClr val="bg1"/>
+              </a:solidFill>
+            </a:endParaRPr>
+          </a:p>
+          <a:p>
+            <a:endParaRPr lang="de-DE" sz="2400" dirty="0">
+              <a:solidFill>
+                <a:schemeClr val="bg1"/>
+              </a:solidFill>
+            </a:endParaRPr>
+          </a:p>
+        </p:txBody>
+      </p:sp>
+      <p:sp>
+        <p:nvSpPr>
+          <p:cNvPr id="4" name="Gleichschenkliges Dreieck 3">
+            <a:extLst>
+              <a:ext uri="{FF2B5EF4-FFF2-40B4-BE49-F238E27FC236}">
+                <a16:creationId xmlns:a16="http://schemas.microsoft.com/office/drawing/2014/main" id="{15086A6A-94A0-4B19-9885-C2260D458E9B}"/>
+              </a:ext>
+            </a:extLst>
+          </p:cNvPr>
+          <p:cNvSpPr/>
           <p:nvPr/>
-        </p:nvPicPr>
-        <p:blipFill rotWithShape="1">
-          <a:blip r:embed="rId2">
-            <a:extLst>
-              <a:ext uri="{28A0092B-C50C-407E-A947-70E740481C1C}">
-                <a14:useLocalDpi xmlns:a14="http://schemas.microsoft.com/office/drawing/2010/main" val="0"/>
-              </a:ext>
-            </a:extLst>
-          </a:blip>
-          <a:srcRect r="8191"/>
-          <a:stretch/>
-        </p:blipFill>
-        <p:spPr bwMode="auto">
+        </p:nvSpPr>
+        <p:spPr>
+          <a:xfrm rot="5400000">
+            <a:off x="865094" y="5836027"/>
+            <a:ext cx="457200" cy="322729"/>
+          </a:xfrm>
+          <a:prstGeom prst="triangle">
+            <a:avLst/>
+          </a:prstGeom>
+          <a:solidFill>
+            <a:schemeClr val="bg1"/>
+          </a:solidFill>
+          <a:ln>
+            <a:solidFill>
+              <a:schemeClr val="bg1"/>
+            </a:solidFill>
+          </a:ln>
+        </p:spPr>
+        <p:style>
+          <a:lnRef idx="2">
+            <a:schemeClr val="accent1">
+              <a:shade val="50000"/>
+            </a:schemeClr>
+          </a:lnRef>
+          <a:fillRef idx="1">
+            <a:schemeClr val="accent1"/>
+          </a:fillRef>
+          <a:effectRef idx="0">
+            <a:schemeClr val="accent1"/>
+          </a:effectRef>
+          <a:fontRef idx="minor">
+            <a:schemeClr val="lt1"/>
+          </a:fontRef>
+        </p:style>
+        <p:txBody>
+          <a:bodyPr rtlCol="0" anchor="ctr"/>
+          <a:lstStyle/>
+          <a:p>
+            <a:pPr algn="ctr"/>
+            <a:endParaRPr lang="de-DE"/>
+          </a:p>
+        </p:txBody>
+      </p:sp>
+      <p:sp>
+        <p:nvSpPr>
+          <p:cNvPr id="5" name="Textfeld 4">
+            <a:extLst>
+              <a:ext uri="{FF2B5EF4-FFF2-40B4-BE49-F238E27FC236}">
+                <a16:creationId xmlns:a16="http://schemas.microsoft.com/office/drawing/2014/main" id="{572F9A16-5D24-460B-A2D4-836790002E79}"/>
+              </a:ext>
+            </a:extLst>
+          </p:cNvPr>
+          <p:cNvSpPr txBox="1"/>
+          <p:nvPr/>
+        </p:nvSpPr>
+        <p:spPr>
           <a:xfrm>
-            <a:off x="499342" y="1594159"/>
-            <a:ext cx="11193316" cy="4343400"/>
+            <a:off x="1497106" y="5820803"/>
+            <a:ext cx="8346141" cy="400110"/>
           </a:xfrm>
           <a:prstGeom prst="rect">
             <a:avLst/>
           </a:prstGeom>
           <a:noFill/>
-          <a:extLst>
-            <a:ext uri="{909E8E84-426E-40DD-AFC4-6F175D3DCCD1}">
-              <a14:hiddenFill xmlns:a14="http://schemas.microsoft.com/office/drawing/2010/main">
-                <a:solidFill>
-                  <a:srgbClr val="FFFFFF"/>
-                </a:solidFill>
-              </a14:hiddenFill>
-            </a:ext>
-          </a:extLst>
-        </p:spPr>
-      </p:pic>
+        </p:spPr>
+        <p:txBody>
+          <a:bodyPr wrap="square" rtlCol="0">
+            <a:spAutoFit/>
+          </a:bodyPr>
+          <a:lstStyle/>
+          <a:p>
+            <a:r>
+              <a:rPr lang="de-DE" sz="2000" dirty="0">
+                <a:solidFill>
+                  <a:schemeClr val="bg1"/>
+                </a:solidFill>
+              </a:rPr>
+              <a:t>In Summe erscheint das Projekt trotz der bestehenden Risiken als realisierbar</a:t>
+            </a:r>
+          </a:p>
+        </p:txBody>
+      </p:sp>
     </p:spTree>
     <p:extLst>
       <p:ext uri="{BB962C8B-B14F-4D97-AF65-F5344CB8AC3E}">
-        <p14:creationId xmlns:p14="http://schemas.microsoft.com/office/powerpoint/2010/main" val="2796202577"/>
+        <p14:creationId xmlns:p14="http://schemas.microsoft.com/office/powerpoint/2010/main" val="2272158788"/>
       </p:ext>
     </p:extLst>
   </p:cSld>
@@ -6535,7 +6844,7 @@
           <a:lstStyle/>
           <a:p>
             <a:r>
-              <a:rPr lang="de-DE" sz="3000" dirty="0">
+              <a:rPr lang="de-DE" sz="3000" b="1" dirty="0">
                 <a:solidFill>
                   <a:schemeClr val="bg1"/>
                 </a:solidFill>
@@ -6543,7 +6852,7 @@
               <a:t>Mock-</a:t>
             </a:r>
             <a:r>
-              <a:rPr lang="de-DE" sz="3000" dirty="0" err="1">
+              <a:rPr lang="de-DE" sz="3000" b="1" dirty="0" err="1">
                 <a:solidFill>
                   <a:schemeClr val="bg1"/>
                 </a:solidFill>
@@ -6551,7 +6860,7 @@
               <a:t>Ups</a:t>
             </a:r>
             <a:r>
-              <a:rPr lang="de-DE" sz="3000" dirty="0">
+              <a:rPr lang="de-DE" sz="3000" b="1" dirty="0">
                 <a:solidFill>
                   <a:schemeClr val="bg1"/>
                 </a:solidFill>
@@ -6676,7 +6985,7 @@
               <a:t>						</a:t>
             </a:r>
             <a:r>
-              <a:rPr lang="de-DE" sz="1400" b="1" dirty="0" err="1">
+              <a:rPr lang="de-DE" sz="1400" b="1" u="sng" dirty="0" err="1">
                 <a:solidFill>
                   <a:schemeClr val="bg1"/>
                 </a:solidFill>
@@ -7262,7 +7571,7 @@
           <a:lstStyle/>
           <a:p>
             <a:r>
-              <a:rPr lang="de-DE" sz="3000" dirty="0">
+              <a:rPr lang="de-DE" sz="3000" b="1" dirty="0">
                 <a:solidFill>
                   <a:schemeClr val="bg1"/>
                 </a:solidFill>
@@ -7270,7 +7579,7 @@
               <a:t>Mock-</a:t>
             </a:r>
             <a:r>
-              <a:rPr lang="de-DE" sz="3000" dirty="0" err="1">
+              <a:rPr lang="de-DE" sz="3000" b="1" dirty="0" err="1">
                 <a:solidFill>
                   <a:schemeClr val="bg1"/>
                 </a:solidFill>
@@ -7278,7 +7587,7 @@
               <a:t>Ups</a:t>
             </a:r>
             <a:r>
-              <a:rPr lang="de-DE" sz="3000" dirty="0">
+              <a:rPr lang="de-DE" sz="3000" b="1" dirty="0">
                 <a:solidFill>
                   <a:schemeClr val="bg1"/>
                 </a:solidFill>
@@ -7419,7 +7728,7 @@
               <a:t>   </a:t>
             </a:r>
             <a:r>
-              <a:rPr lang="de-DE" sz="1400" b="1" dirty="0" err="1">
+              <a:rPr lang="de-DE" sz="1400" b="1" u="sng" dirty="0" err="1">
                 <a:solidFill>
                   <a:schemeClr val="bg1"/>
                 </a:solidFill>
@@ -7435,7 +7744,7 @@
               <a:t>   </a:t>
             </a:r>
             <a:r>
-              <a:rPr lang="de-DE" sz="1400" b="1" dirty="0" err="1">
+              <a:rPr lang="de-DE" sz="1400" b="1" u="sng" dirty="0" err="1">
                 <a:solidFill>
                   <a:schemeClr val="bg1"/>
                 </a:solidFill>
@@ -7451,7 +7760,7 @@
               <a:t>   </a:t>
             </a:r>
             <a:r>
-              <a:rPr lang="de-DE" sz="1400" b="1" dirty="0" err="1">
+              <a:rPr lang="de-DE" sz="1400" b="1" u="sng" dirty="0" err="1">
                 <a:solidFill>
                   <a:schemeClr val="bg1"/>
                 </a:solidFill>
@@ -7873,7 +8182,7 @@
                   <a:schemeClr val="bg1"/>
                 </a:solidFill>
               </a:rPr>
-              <a:t>Der dynamische Part ist dann die „buchen“-Seite (siehe folgende Mockups)</a:t>
+              <a:t>Der dynamische Part ist dann die „Buchen“-Seite (siehe folgende Mockups)</a:t>
             </a:r>
           </a:p>
         </p:txBody>
@@ -7932,7 +8241,7 @@
           <a:lstStyle/>
           <a:p>
             <a:r>
-              <a:rPr lang="de-DE" sz="3000" dirty="0">
+              <a:rPr lang="de-DE" sz="3000" b="1" dirty="0">
                 <a:solidFill>
                   <a:schemeClr val="bg1"/>
                 </a:solidFill>
@@ -7940,7 +8249,7 @@
               <a:t>Mock-</a:t>
             </a:r>
             <a:r>
-              <a:rPr lang="de-DE" sz="3000" dirty="0" err="1">
+              <a:rPr lang="de-DE" sz="3000" b="1" dirty="0" err="1">
                 <a:solidFill>
                   <a:schemeClr val="bg1"/>
                 </a:solidFill>
@@ -7948,7 +8257,7 @@
               <a:t>Ups</a:t>
             </a:r>
             <a:r>
-              <a:rPr lang="de-DE" sz="3000" dirty="0">
+              <a:rPr lang="de-DE" sz="3000" b="1" dirty="0">
                 <a:solidFill>
                   <a:schemeClr val="bg1"/>
                 </a:solidFill>
@@ -8137,7 +8446,7 @@
               <a:t>   </a:t>
             </a:r>
             <a:r>
-              <a:rPr lang="de-DE" sz="1400" b="1" dirty="0">
+              <a:rPr lang="de-DE" sz="1400" b="1" u="sng" dirty="0">
                 <a:solidFill>
                   <a:schemeClr val="bg1"/>
                 </a:solidFill>
@@ -8608,7 +8917,7 @@
           <a:lstStyle/>
           <a:p>
             <a:r>
-              <a:rPr lang="de-DE" sz="3000" dirty="0">
+              <a:rPr lang="de-DE" sz="3000" b="1" dirty="0">
                 <a:solidFill>
                   <a:schemeClr val="bg1"/>
                 </a:solidFill>
@@ -8616,7 +8925,7 @@
               <a:t>Mock-</a:t>
             </a:r>
             <a:r>
-              <a:rPr lang="de-DE" sz="3000" dirty="0" err="1">
+              <a:rPr lang="de-DE" sz="3000" b="1" dirty="0" err="1">
                 <a:solidFill>
                   <a:schemeClr val="bg1"/>
                 </a:solidFill>
@@ -8624,7 +8933,7 @@
               <a:t>Ups</a:t>
             </a:r>
             <a:r>
-              <a:rPr lang="de-DE" sz="3000" dirty="0">
+              <a:rPr lang="de-DE" sz="3000" b="1" dirty="0">
                 <a:solidFill>
                   <a:schemeClr val="bg1"/>
                 </a:solidFill>
@@ -8814,8 +9123,8 @@
         </p:nvSpPr>
         <p:spPr>
           <a:xfrm>
-            <a:off x="4186517" y="1335741"/>
-            <a:ext cx="1147483" cy="369332"/>
+            <a:off x="4100661" y="1335741"/>
+            <a:ext cx="1233340" cy="369332"/>
           </a:xfrm>
           <a:prstGeom prst="rect">
             <a:avLst/>
@@ -8834,7 +9143,7 @@
                   <a:schemeClr val="bg1"/>
                 </a:solidFill>
               </a:rPr>
-              <a:t>Liegeplatz</a:t>
+              <a:t>Bootslänge</a:t>
             </a:r>
           </a:p>
         </p:txBody>
@@ -8952,8 +9261,8 @@
         </p:nvCxnSpPr>
         <p:spPr>
           <a:xfrm flipV="1">
-            <a:off x="6944289" y="1027906"/>
-            <a:ext cx="128865" cy="254936"/>
+            <a:off x="6944289" y="1103827"/>
+            <a:ext cx="606581" cy="179015"/>
           </a:xfrm>
           <a:prstGeom prst="line">
             <a:avLst/>
@@ -8994,8 +9303,8 @@
         </p:nvSpPr>
         <p:spPr>
           <a:xfrm>
-            <a:off x="6451228" y="161382"/>
-            <a:ext cx="5552513" cy="830997"/>
+            <a:off x="7630258" y="833696"/>
+            <a:ext cx="3962400" cy="1569660"/>
           </a:xfrm>
           <a:prstGeom prst="rect">
             <a:avLst/>
@@ -9014,7 +9323,7 @@
                   <a:srgbClr val="FFC000"/>
                 </a:solidFill>
               </a:rPr>
-              <a:t>Basierend auf dem gewählten Zeitraum, werden nur freie Liegeplätze als Dropdown angezeigt und können entsprechend dann ausgewählt werden, </a:t>
+              <a:t>Dropdown-Optionen: bis 5m, 5-10m, 10-15m, 15-20m, je Bootslängen-Kategorie gibt es eine bestimmte Anzahl an Plätzen, falls im gewählten Zeitraum für die gewünschte Bootslängen-Kategorie keine Plätze mehr frei sind, ist keine Buchung möglich und der User wird entsprechend informiert.  </a:t>
             </a:r>
             <a:r>
               <a:rPr lang="de-DE" sz="1200" u="sng" dirty="0">
@@ -9022,7 +9331,7 @@
                   <a:srgbClr val="FFC000"/>
                 </a:solidFill>
               </a:rPr>
-              <a:t>optiona</a:t>
+              <a:t>Optiona</a:t>
             </a:r>
             <a:r>
               <a:rPr lang="de-DE" sz="1200" dirty="0">
@@ -9030,7 +9339,7 @@
                   <a:srgbClr val="FFC000"/>
                 </a:solidFill>
               </a:rPr>
-              <a:t>l können Datum und Liegeplatz auch noch schöner grafisch aufbereitet werden und für die Liegeplatz-Wahl werden auch noch Bootsgröße und Tiefgang berücksichtigt.</a:t>
+              <a:t>l wird die Buchungszeit noch schöner grafisch aufbereitet (z.B. wird mit rot/grün schon die Verfügbarkeit für die jeweilige Bootslänge angezeigt)</a:t>
             </a:r>
             <a:endParaRPr lang="de-DE" dirty="0">
               <a:solidFill>
@@ -9527,7 +9836,7 @@
         <p:spPr>
           <a:xfrm>
             <a:off x="7149914" y="4639309"/>
-            <a:ext cx="4683497" cy="646331"/>
+            <a:ext cx="4683497" cy="1015663"/>
           </a:xfrm>
           <a:prstGeom prst="rect">
             <a:avLst/>
@@ -9546,7 +9855,7 @@
                   <a:srgbClr val="FFC000"/>
                 </a:solidFill>
               </a:rPr>
-              <a:t>Buchungs-Button, sobald geklickt wird erfolgt die Buchung im Backend und der User landet auf einer Bestätigungsseite (siehe nächstes Mockup), </a:t>
+              <a:t>Buchungs-Button, sobald geklickt wird erfolgt die Buchung im Backend und der User landet auf einer Bestätigungsseite (siehe nächstes Mockup) oder er erhält die Info, dass im gewünschten Zeitraum schon alle Plätze in seiner Kategorie belegt sind, </a:t>
             </a:r>
             <a:r>
               <a:rPr lang="de-DE" sz="1200" u="sng" dirty="0">
